--- a/presentations/Proxy component, Style component.pptx
+++ b/presentations/Proxy component, Style component.pptx
@@ -893,7 +893,39 @@
           <a:p>
             <a:r>
               <a:rPr lang="ru-RU" dirty="0"/>
-              <a:t>HOC часто встречаются в сторонних библиотеках, например </a:t>
+              <a:t>HOC часто </a:t>
+            </a:r>
+            <a:r>
+              <a:rPr lang="ru-RU" dirty="0" err="1"/>
+              <a:t>зустрічаються</a:t>
+            </a:r>
+            <a:r>
+              <a:rPr lang="ru-RU" dirty="0"/>
+              <a:t> в </a:t>
+            </a:r>
+            <a:r>
+              <a:rPr lang="ru-RU" dirty="0" err="1"/>
+              <a:t>сторонніх</a:t>
+            </a:r>
+            <a:r>
+              <a:rPr lang="ru-RU" dirty="0"/>
+              <a:t> </a:t>
+            </a:r>
+            <a:r>
+              <a:rPr lang="ru-RU" dirty="0" err="1"/>
+              <a:t>біблиотеках</a:t>
+            </a:r>
+            <a:r>
+              <a:rPr lang="ru-RU" dirty="0"/>
+              <a:t>, </a:t>
+            </a:r>
+            <a:r>
+              <a:rPr lang="ru-RU" dirty="0" err="1"/>
+              <a:t>наприклад</a:t>
+            </a:r>
+            <a:r>
+              <a:rPr lang="ru-RU" dirty="0"/>
+              <a:t> </a:t>
             </a:r>
             <a:r>
               <a:rPr lang="ru-RU" dirty="0" err="1"/>
@@ -908,8 +940,8 @@
               <a:t>Redux</a:t>
             </a:r>
             <a:r>
-              <a:rPr lang="ru-RU" dirty="0"/>
-              <a:t> и </a:t>
+              <a:rPr lang="ru-RU"/>
+              <a:t> і </a:t>
             </a:r>
             <a:r>
               <a:rPr lang="ru-RU" dirty="0" err="1"/>
@@ -9624,20 +9656,20 @@
 </file>
 
 <file path=customXml/item1.xml><?xml version="1.0" encoding="utf-8"?>
+<p:properties xmlns:p="http://schemas.microsoft.com/office/2006/metadata/properties" xmlns:xsi="http://www.w3.org/2001/XMLSchema-instance" xmlns:pc="http://schemas.microsoft.com/office/infopath/2007/PartnerControls">
+  <documentManagement>
+    <_x041a__x043e__x043c__x0435__x0442__x0430__x0440_ xmlns="835f28f2-30f1-4728-84d2-86d96e143488" xsi:nil="true"/>
+  </documentManagement>
+</p:properties>
+</file>
+
+<file path=customXml/item2.xml><?xml version="1.0" encoding="utf-8"?>
 <?mso-contentType ?>
 <FormTemplates xmlns="http://schemas.microsoft.com/sharepoint/v3/contenttype/forms">
   <Display>DocumentLibraryForm</Display>
   <Edit>DocumentLibraryForm</Edit>
   <New>DocumentLibraryForm</New>
 </FormTemplates>
-</file>
-
-<file path=customXml/item2.xml><?xml version="1.0" encoding="utf-8"?>
-<p:properties xmlns:p="http://schemas.microsoft.com/office/2006/metadata/properties" xmlns:xsi="http://www.w3.org/2001/XMLSchema-instance" xmlns:pc="http://schemas.microsoft.com/office/infopath/2007/PartnerControls">
-  <documentManagement>
-    <_x041a__x043e__x043c__x0435__x0442__x0430__x0440_ xmlns="835f28f2-30f1-4728-84d2-86d96e143488" xsi:nil="true"/>
-  </documentManagement>
-</p:properties>
 </file>
 
 <file path=customXml/item3.xml><?xml version="1.0" encoding="utf-8"?>
@@ -9840,14 +9872,6 @@
 </file>
 
 <file path=customXml/itemProps1.xml><?xml version="1.0" encoding="utf-8"?>
-<ds:datastoreItem xmlns:ds="http://schemas.openxmlformats.org/officeDocument/2006/customXml" ds:itemID="{296B3B9E-03D8-4766-BF45-6129617CF026}">
-  <ds:schemaRefs>
-    <ds:schemaRef ds:uri="http://schemas.microsoft.com/sharepoint/v3/contenttype/forms"/>
-  </ds:schemaRefs>
-</ds:datastoreItem>
-</file>
-
-<file path=customXml/itemProps2.xml><?xml version="1.0" encoding="utf-8"?>
 <ds:datastoreItem xmlns:ds="http://schemas.openxmlformats.org/officeDocument/2006/customXml" ds:itemID="{B3A1340B-3A1B-4156-ADE3-51DF6C2C795D}">
   <ds:schemaRefs>
     <ds:schemaRef ds:uri="http://schemas.microsoft.com/office/2006/documentManagement/types"/>
@@ -9860,6 +9884,14 @@
     <ds:schemaRef ds:uri="http://schemas.openxmlformats.org/package/2006/metadata/core-properties"/>
     <ds:schemaRef ds:uri="http://schemas.microsoft.com/office/2006/metadata/properties"/>
     <ds:schemaRef ds:uri="http://www.w3.org/XML/1998/namespace"/>
+  </ds:schemaRefs>
+</ds:datastoreItem>
+</file>
+
+<file path=customXml/itemProps2.xml><?xml version="1.0" encoding="utf-8"?>
+<ds:datastoreItem xmlns:ds="http://schemas.openxmlformats.org/officeDocument/2006/customXml" ds:itemID="{296B3B9E-03D8-4766-BF45-6129617CF026}">
+  <ds:schemaRefs>
+    <ds:schemaRef ds:uri="http://schemas.microsoft.com/sharepoint/v3/contenttype/forms"/>
   </ds:schemaRefs>
 </ds:datastoreItem>
 </file>

--- a/presentations/Proxy component, Style component.pptx
+++ b/presentations/Proxy component, Style component.pptx
@@ -5,42 +5,40 @@
     <p:sldMasterId id="2147483656" r:id="rId4"/>
   </p:sldMasterIdLst>
   <p:notesMasterIdLst>
-    <p:notesMasterId r:id="rId17"/>
+    <p:notesMasterId r:id="rId15"/>
   </p:notesMasterIdLst>
   <p:sldIdLst>
     <p:sldId id="258" r:id="rId5"/>
-    <p:sldId id="259" r:id="rId6"/>
-    <p:sldId id="260" r:id="rId7"/>
-    <p:sldId id="261" r:id="rId8"/>
-    <p:sldId id="263" r:id="rId9"/>
-    <p:sldId id="264" r:id="rId10"/>
-    <p:sldId id="265" r:id="rId11"/>
-    <p:sldId id="266" r:id="rId12"/>
-    <p:sldId id="267" r:id="rId13"/>
-    <p:sldId id="268" r:id="rId14"/>
-    <p:sldId id="269" r:id="rId15"/>
-    <p:sldId id="262" r:id="rId16"/>
+    <p:sldId id="261" r:id="rId6"/>
+    <p:sldId id="263" r:id="rId7"/>
+    <p:sldId id="264" r:id="rId8"/>
+    <p:sldId id="265" r:id="rId9"/>
+    <p:sldId id="266" r:id="rId10"/>
+    <p:sldId id="267" r:id="rId11"/>
+    <p:sldId id="268" r:id="rId12"/>
+    <p:sldId id="269" r:id="rId13"/>
+    <p:sldId id="262" r:id="rId14"/>
   </p:sldIdLst>
   <p:sldSz cx="12192000" cy="6858000"/>
   <p:notesSz cx="6858000" cy="9144000"/>
   <p:embeddedFontLst>
     <p:embeddedFont>
       <p:font typeface="Calibri" panose="020F0502020204030204" pitchFamily="34" charset="0"/>
-      <p:regular r:id="rId18"/>
-      <p:bold r:id="rId19"/>
-      <p:italic r:id="rId20"/>
-      <p:boldItalic r:id="rId21"/>
+      <p:regular r:id="rId16"/>
+      <p:bold r:id="rId17"/>
+      <p:italic r:id="rId18"/>
+      <p:boldItalic r:id="rId19"/>
     </p:embeddedFont>
     <p:embeddedFont>
       <p:font typeface="Open Sans" panose="020B0604020202020204" charset="0"/>
-      <p:regular r:id="rId22"/>
-      <p:bold r:id="rId23"/>
-      <p:italic r:id="rId24"/>
-      <p:boldItalic r:id="rId25"/>
+      <p:regular r:id="rId20"/>
+      <p:bold r:id="rId21"/>
+      <p:italic r:id="rId22"/>
+      <p:boldItalic r:id="rId23"/>
     </p:embeddedFont>
     <p:embeddedFont>
       <p:font typeface="Proxima Nova Black" panose="020B0604020202020204" charset="0"/>
-      <p:bold r:id="rId26"/>
+      <p:bold r:id="rId24"/>
     </p:embeddedFont>
   </p:embeddedFontLst>
   <p:defaultTextStyle>
@@ -144,8 +142,6 @@
         <p14:section name="Раздел по умолчанию" id="{791F0F3B-8968-46A9-AD71-08B8A2F1825B}">
           <p14:sldIdLst>
             <p14:sldId id="258"/>
-            <p14:sldId id="259"/>
-            <p14:sldId id="260"/>
             <p14:sldId id="261"/>
             <p14:sldId id="263"/>
             <p14:sldId id="264"/>
@@ -248,7 +244,7 @@
           <a:p>
             <a:fld id="{24D01C81-D58C-4B5E-87F6-57627472BE7F}" type="datetimeFigureOut">
               <a:rPr lang="uk-UA" smtClean="0"/>
-              <a:t>06.01.2020</a:t>
+              <a:t>16.01.2020</a:t>
             </a:fld>
             <a:endParaRPr lang="uk-UA"/>
           </a:p>
@@ -644,53 +640,182 @@
           <a:bodyPr/>
           <a:lstStyle/>
           <a:p>
-            <a:pPr marL="0" marR="0" lvl="0" indent="0" algn="l" defTabSz="914400" rtl="0" eaLnBrk="1" fontAlgn="auto" latinLnBrk="0" hangingPunct="1">
-              <a:lnSpc>
-                <a:spcPct val="100000"/>
-              </a:lnSpc>
-              <a:spcBef>
-                <a:spcPts val="0"/>
-              </a:spcBef>
-              <a:spcAft>
-                <a:spcPts val="0"/>
-              </a:spcAft>
-              <a:buClrTx/>
-              <a:buSzTx/>
-              <a:buFontTx/>
-              <a:buNone/>
-              <a:tabLst/>
-              <a:defRPr/>
-            </a:pPr>
+            <a:r>
+              <a:rPr lang="ru-RU" dirty="0" err="1"/>
+              <a:t>Проксі</a:t>
+            </a:r>
+            <a:r>
+              <a:rPr lang="ru-RU" dirty="0"/>
+              <a:t>-компонент, по </a:t>
+            </a:r>
+            <a:r>
+              <a:rPr lang="ru-RU" dirty="0" err="1"/>
+              <a:t>суті</a:t>
+            </a:r>
+            <a:r>
+              <a:rPr lang="ru-RU" dirty="0"/>
+              <a:t>, є </a:t>
+            </a:r>
+            <a:r>
+              <a:rPr lang="en-US" dirty="0"/>
+              <a:t>placeholder’</a:t>
+            </a:r>
+            <a:r>
+              <a:rPr lang="uk-UA" dirty="0" err="1"/>
+              <a:t>ом</a:t>
+            </a:r>
+            <a:r>
+              <a:rPr lang="ru-RU" dirty="0"/>
+              <a:t>,  </a:t>
+            </a:r>
+            <a:r>
+              <a:rPr lang="ru-RU" dirty="0" err="1"/>
+              <a:t>який</a:t>
+            </a:r>
+            <a:r>
+              <a:rPr lang="ru-RU" dirty="0"/>
+              <a:t> </a:t>
+            </a:r>
+            <a:r>
+              <a:rPr lang="ru-RU" dirty="0" err="1"/>
+              <a:t>можна</a:t>
+            </a:r>
+            <a:r>
+              <a:rPr lang="ru-RU" dirty="0"/>
+              <a:t> </a:t>
+            </a:r>
+            <a:r>
+              <a:rPr lang="ru-RU" dirty="0" err="1"/>
+              <a:t>відрендерити</a:t>
+            </a:r>
+            <a:r>
+              <a:rPr lang="ru-RU" dirty="0"/>
+              <a:t> з </a:t>
+            </a:r>
+            <a:r>
+              <a:rPr lang="ru-RU" dirty="0" err="1"/>
+              <a:t>іншого</a:t>
+            </a:r>
+            <a:r>
+              <a:rPr lang="ru-RU" dirty="0"/>
+              <a:t> компонента. І </a:t>
+            </a:r>
+            <a:r>
+              <a:rPr lang="ru-RU" dirty="0" err="1"/>
+              <a:t>що</a:t>
+            </a:r>
+            <a:r>
+              <a:rPr lang="ru-RU" dirty="0"/>
+              <a:t> в </a:t>
+            </a:r>
+            <a:r>
+              <a:rPr lang="ru-RU" dirty="0" err="1"/>
+              <a:t>цьому</a:t>
+            </a:r>
+            <a:r>
+              <a:rPr lang="ru-RU" dirty="0"/>
+              <a:t> </a:t>
+            </a:r>
+            <a:r>
+              <a:rPr lang="ru-RU" dirty="0" err="1"/>
+              <a:t>насправді</a:t>
+            </a:r>
+            <a:r>
+              <a:rPr lang="ru-RU" dirty="0"/>
+              <a:t> </a:t>
+            </a:r>
+            <a:r>
+              <a:rPr lang="ru-RU" dirty="0" err="1"/>
+              <a:t>приємно</a:t>
+            </a:r>
+            <a:r>
+              <a:rPr lang="ru-RU" dirty="0"/>
+              <a:t> - </a:t>
+            </a:r>
+            <a:r>
+              <a:rPr lang="ru-RU" dirty="0" err="1"/>
+              <a:t>ви</a:t>
+            </a:r>
+            <a:r>
+              <a:rPr lang="ru-RU" dirty="0"/>
+              <a:t> можете </a:t>
+            </a:r>
+            <a:r>
+              <a:rPr lang="ru-RU" dirty="0" err="1"/>
+              <a:t>зв’язати</a:t>
+            </a:r>
+            <a:r>
+              <a:rPr lang="ru-RU" dirty="0"/>
+              <a:t> </a:t>
+            </a:r>
+            <a:r>
+              <a:rPr lang="ru-RU" dirty="0" err="1"/>
+              <a:t>його</a:t>
+            </a:r>
+            <a:r>
+              <a:rPr lang="ru-RU" dirty="0"/>
+              <a:t> прямо в </a:t>
+            </a:r>
             <a:r>
               <a:rPr lang="uk-UA" dirty="0"/>
-              <a:t>Компонент вищого порядку (</a:t>
-            </a:r>
-            <a:r>
-              <a:rPr lang="en-US" dirty="0"/>
-              <a:t>Higher-Order Component, HOC) - </a:t>
+              <a:t>методі </a:t>
+            </a:r>
+            <a:r>
+              <a:rPr lang="en-US" dirty="0"/>
+              <a:t>render</a:t>
+            </a:r>
+            <a:r>
+              <a:rPr lang="ru-RU" dirty="0"/>
+              <a:t>, не </a:t>
             </a:r>
             <a:r>
               <a:rPr lang="uk-UA" dirty="0"/>
-              <a:t>це один з просунутих способів для повторного використання логіки. </a:t>
-            </a:r>
-            <a:r>
-              <a:rPr lang="en-US" dirty="0"/>
-              <a:t>HOC </a:t>
-            </a:r>
-            <a:r>
-              <a:rPr lang="uk-UA" dirty="0"/>
-              <a:t>не є частиною </a:t>
-            </a:r>
-            <a:r>
-              <a:rPr lang="en-US" dirty="0"/>
-              <a:t>API React, </a:t>
-            </a:r>
-            <a:r>
-              <a:rPr lang="uk-UA" dirty="0"/>
-              <a:t>але часто застосовуються через композиційну природу компонентів.</a:t>
-            </a:r>
-          </a:p>
-          <a:p>
+              <a:t>думаючи імперативно</a:t>
+            </a:r>
+            <a:r>
+              <a:rPr lang="ru-RU" dirty="0"/>
+              <a:t>. </a:t>
+            </a:r>
+            <a:r>
+              <a:rPr lang="ru-RU" dirty="0" err="1"/>
+              <a:t>Цей</a:t>
+            </a:r>
+            <a:r>
+              <a:rPr lang="ru-RU" dirty="0"/>
+              <a:t> компонент, в основному, </a:t>
+            </a:r>
+            <a:r>
+              <a:rPr lang="ru-RU" dirty="0" err="1"/>
+              <a:t>дозволяє</a:t>
+            </a:r>
+            <a:r>
+              <a:rPr lang="ru-RU" dirty="0"/>
+              <a:t> </a:t>
+            </a:r>
+            <a:r>
+              <a:rPr lang="ru-RU" dirty="0" err="1"/>
+              <a:t>згинати</a:t>
+            </a:r>
+            <a:r>
+              <a:rPr lang="ru-RU" dirty="0"/>
+              <a:t> ваше дерево потоку </a:t>
+            </a:r>
+            <a:r>
+              <a:rPr lang="ru-RU" dirty="0" err="1"/>
+              <a:t>даних</a:t>
+            </a:r>
+            <a:r>
+              <a:rPr lang="ru-RU" dirty="0"/>
+              <a:t> </a:t>
+            </a:r>
+            <a:r>
+              <a:rPr lang="ru-RU" dirty="0" err="1"/>
+              <a:t>React</a:t>
+            </a:r>
+            <a:r>
+              <a:rPr lang="ru-RU" dirty="0"/>
+              <a:t> в DOM дерево.</a:t>
+            </a:r>
             <a:endParaRPr lang="uk-UA" dirty="0"/>
           </a:p>
         </p:txBody>
@@ -721,7 +846,7 @@
     </p:spTree>
     <p:extLst>
       <p:ext uri="{BB962C8B-B14F-4D97-AF65-F5344CB8AC3E}">
-        <p14:creationId xmlns:p14="http://schemas.microsoft.com/office/powerpoint/2010/main" val="3175919983"/>
+        <p14:creationId xmlns:p14="http://schemas.microsoft.com/office/powerpoint/2010/main" val="3032755405"/>
       </p:ext>
     </p:extLst>
   </p:cSld>
@@ -775,190 +900,6 @@
           <a:bodyPr/>
           <a:lstStyle/>
           <a:p>
-            <a:r>
-              <a:rPr lang="ru-RU" dirty="0" err="1"/>
-              <a:t>Говорячи</a:t>
-            </a:r>
-            <a:r>
-              <a:rPr lang="ru-RU" dirty="0"/>
-              <a:t> просто, компонент </a:t>
-            </a:r>
-            <a:r>
-              <a:rPr lang="ru-RU" dirty="0" err="1"/>
-              <a:t>вищого</a:t>
-            </a:r>
-            <a:r>
-              <a:rPr lang="ru-RU" dirty="0"/>
-              <a:t> порядку - </a:t>
-            </a:r>
-            <a:r>
-              <a:rPr lang="ru-RU" dirty="0" err="1"/>
-              <a:t>це</a:t>
-            </a:r>
-            <a:r>
-              <a:rPr lang="ru-RU" dirty="0"/>
-              <a:t> </a:t>
-            </a:r>
-            <a:r>
-              <a:rPr lang="ru-RU" dirty="0" err="1"/>
-              <a:t>функція</a:t>
-            </a:r>
-            <a:r>
-              <a:rPr lang="ru-RU" dirty="0"/>
-              <a:t>, яка </a:t>
-            </a:r>
-            <a:r>
-              <a:rPr lang="ru-RU" dirty="0" err="1"/>
-              <a:t>приймає</a:t>
-            </a:r>
-            <a:r>
-              <a:rPr lang="ru-RU" dirty="0"/>
-              <a:t> компонент і </a:t>
-            </a:r>
-            <a:r>
-              <a:rPr lang="ru-RU" dirty="0" err="1"/>
-              <a:t>повертає</a:t>
-            </a:r>
-            <a:r>
-              <a:rPr lang="ru-RU" dirty="0"/>
-              <a:t> </a:t>
-            </a:r>
-            <a:r>
-              <a:rPr lang="ru-RU" dirty="0" err="1"/>
-              <a:t>новий</a:t>
-            </a:r>
-            <a:r>
-              <a:rPr lang="ru-RU" dirty="0"/>
-              <a:t> компонент.</a:t>
-            </a:r>
-          </a:p>
-          <a:p>
-            <a:r>
-              <a:rPr lang="ru-RU" dirty="0" err="1"/>
-              <a:t>Якщо</a:t>
-            </a:r>
-            <a:r>
-              <a:rPr lang="ru-RU" dirty="0"/>
-              <a:t> </a:t>
-            </a:r>
-            <a:r>
-              <a:rPr lang="ru-RU" dirty="0" err="1"/>
-              <a:t>звичайний</a:t>
-            </a:r>
-            <a:r>
-              <a:rPr lang="ru-RU" dirty="0"/>
-              <a:t> компонент </a:t>
-            </a:r>
-            <a:r>
-              <a:rPr lang="ru-RU" dirty="0" err="1"/>
-              <a:t>перетворює</a:t>
-            </a:r>
-            <a:r>
-              <a:rPr lang="ru-RU" dirty="0"/>
-              <a:t> </a:t>
-            </a:r>
-            <a:r>
-              <a:rPr lang="ru-RU" dirty="0" err="1"/>
-              <a:t>пропси</a:t>
-            </a:r>
-            <a:r>
-              <a:rPr lang="ru-RU" dirty="0"/>
-              <a:t> в UI, то компонент </a:t>
-            </a:r>
-            <a:r>
-              <a:rPr lang="ru-RU" dirty="0" err="1"/>
-              <a:t>вищого</a:t>
-            </a:r>
-            <a:r>
-              <a:rPr lang="ru-RU" dirty="0"/>
-              <a:t> порядку </a:t>
-            </a:r>
-            <a:r>
-              <a:rPr lang="ru-RU" dirty="0" err="1"/>
-              <a:t>перетворює</a:t>
-            </a:r>
-            <a:r>
-              <a:rPr lang="ru-RU" dirty="0"/>
-              <a:t> компонент в </a:t>
-            </a:r>
-            <a:r>
-              <a:rPr lang="ru-RU" dirty="0" err="1"/>
-              <a:t>інший</a:t>
-            </a:r>
-            <a:r>
-              <a:rPr lang="ru-RU" dirty="0"/>
-              <a:t> компонент.</a:t>
-            </a:r>
-          </a:p>
-          <a:p>
-            <a:r>
-              <a:rPr lang="ru-RU" dirty="0"/>
-              <a:t>HOC часто </a:t>
-            </a:r>
-            <a:r>
-              <a:rPr lang="ru-RU" dirty="0" err="1"/>
-              <a:t>зустрічаються</a:t>
-            </a:r>
-            <a:r>
-              <a:rPr lang="ru-RU" dirty="0"/>
-              <a:t> в </a:t>
-            </a:r>
-            <a:r>
-              <a:rPr lang="ru-RU" dirty="0" err="1"/>
-              <a:t>сторонніх</a:t>
-            </a:r>
-            <a:r>
-              <a:rPr lang="ru-RU" dirty="0"/>
-              <a:t> </a:t>
-            </a:r>
-            <a:r>
-              <a:rPr lang="ru-RU" dirty="0" err="1"/>
-              <a:t>біблиотеках</a:t>
-            </a:r>
-            <a:r>
-              <a:rPr lang="ru-RU" dirty="0"/>
-              <a:t>, </a:t>
-            </a:r>
-            <a:r>
-              <a:rPr lang="ru-RU" dirty="0" err="1"/>
-              <a:t>наприклад</a:t>
-            </a:r>
-            <a:r>
-              <a:rPr lang="ru-RU" dirty="0"/>
-              <a:t> </a:t>
-            </a:r>
-            <a:r>
-              <a:rPr lang="ru-RU" dirty="0" err="1"/>
-              <a:t>connect</a:t>
-            </a:r>
-            <a:r>
-              <a:rPr lang="ru-RU" dirty="0"/>
-              <a:t> в </a:t>
-            </a:r>
-            <a:r>
-              <a:rPr lang="ru-RU" dirty="0" err="1"/>
-              <a:t>Redux</a:t>
-            </a:r>
-            <a:r>
-              <a:rPr lang="ru-RU"/>
-              <a:t> і </a:t>
-            </a:r>
-            <a:r>
-              <a:rPr lang="ru-RU" dirty="0" err="1"/>
-              <a:t>createFragmentContainer</a:t>
-            </a:r>
-            <a:r>
-              <a:rPr lang="ru-RU" dirty="0"/>
-              <a:t> в </a:t>
-            </a:r>
-            <a:r>
-              <a:rPr lang="ru-RU" dirty="0" err="1"/>
-              <a:t>Relay</a:t>
-            </a:r>
-            <a:r>
-              <a:rPr lang="ru-RU" dirty="0"/>
-              <a:t>.</a:t>
-            </a:r>
             <a:endParaRPr lang="uk-UA" dirty="0"/>
           </a:p>
         </p:txBody>
@@ -989,7 +930,7 @@
     </p:spTree>
     <p:extLst>
       <p:ext uri="{BB962C8B-B14F-4D97-AF65-F5344CB8AC3E}">
-        <p14:creationId xmlns:p14="http://schemas.microsoft.com/office/powerpoint/2010/main" val="1682807588"/>
+        <p14:creationId xmlns:p14="http://schemas.microsoft.com/office/powerpoint/2010/main" val="2801657400"/>
       </p:ext>
     </p:extLst>
   </p:cSld>
@@ -1045,31 +986,19 @@
           <a:p>
             <a:r>
               <a:rPr lang="ru-RU" dirty="0" err="1"/>
-              <a:t>Проксі</a:t>
+              <a:t>Це</a:t>
             </a:r>
             <a:r>
               <a:rPr lang="ru-RU" dirty="0"/>
-              <a:t>-компонент, по </a:t>
+              <a:t> компонент </a:t>
             </a:r>
             <a:r>
               <a:rPr lang="ru-RU" dirty="0" err="1"/>
-              <a:t>суті</a:t>
+              <a:t>проксі</a:t>
             </a:r>
             <a:r>
               <a:rPr lang="ru-RU" dirty="0"/>
-              <a:t>, є </a:t>
-            </a:r>
-            <a:r>
-              <a:rPr lang="en-US" dirty="0"/>
-              <a:t>placeholder’</a:t>
-            </a:r>
-            <a:r>
-              <a:rPr lang="uk-UA" dirty="0" err="1"/>
-              <a:t>ом</a:t>
-            </a:r>
-            <a:r>
-              <a:rPr lang="ru-RU" dirty="0"/>
-              <a:t>,  </a:t>
+              <a:t>, </a:t>
             </a:r>
             <a:r>
               <a:rPr lang="ru-RU" dirty="0" err="1"/>
@@ -1081,7 +1010,23 @@
             </a:r>
             <a:r>
               <a:rPr lang="ru-RU" dirty="0" err="1"/>
-              <a:t>можна</a:t>
+              <a:t>застосовується</a:t>
+            </a:r>
+            <a:r>
+              <a:rPr lang="ru-RU" dirty="0"/>
+              <a:t> до стилю. </a:t>
+            </a:r>
+            <a:r>
+              <a:rPr lang="ru-RU" dirty="0" err="1"/>
+              <a:t>Припустимо</a:t>
+            </a:r>
+            <a:r>
+              <a:rPr lang="ru-RU" dirty="0"/>
+              <a:t>, у нас є кнопка. Вона </a:t>
+            </a:r>
+            <a:r>
+              <a:rPr lang="ru-RU" dirty="0" err="1"/>
+              <a:t>використовує</a:t>
             </a:r>
             <a:r>
               <a:rPr lang="ru-RU" dirty="0"/>
@@ -1089,135 +1034,35 @@
             </a:r>
             <a:r>
               <a:rPr lang="ru-RU" dirty="0" err="1"/>
-              <a:t>відрендерити</a:t>
+              <a:t>класи</a:t>
             </a:r>
             <a:r>
               <a:rPr lang="ru-RU" dirty="0"/>
-              <a:t> з </a:t>
+              <a:t> для </a:t>
             </a:r>
             <a:r>
               <a:rPr lang="ru-RU" dirty="0" err="1"/>
-              <a:t>іншого</a:t>
+              <a:t>стилізації</a:t>
             </a:r>
             <a:r>
               <a:rPr lang="ru-RU" dirty="0"/>
-              <a:t> компонента. І </a:t>
-            </a:r>
-            <a:r>
-              <a:rPr lang="ru-RU" dirty="0" err="1"/>
-              <a:t>що</a:t>
+              <a:t> як “</a:t>
+            </a:r>
+            <a:r>
+              <a:rPr lang="en-US" dirty="0"/>
+              <a:t>primary</a:t>
             </a:r>
             <a:r>
               <a:rPr lang="ru-RU" dirty="0"/>
-              <a:t> в </a:t>
-            </a:r>
-            <a:r>
-              <a:rPr lang="ru-RU" dirty="0" err="1"/>
-              <a:t>цьому</a:t>
+              <a:t>" </a:t>
+            </a:r>
+            <a:r>
+              <a:rPr lang="en-US" dirty="0"/>
+              <a:t>button</a:t>
             </a:r>
             <a:r>
               <a:rPr lang="ru-RU" dirty="0"/>
-              <a:t> </a:t>
-            </a:r>
-            <a:r>
-              <a:rPr lang="ru-RU" dirty="0" err="1"/>
-              <a:t>насправді</a:t>
-            </a:r>
-            <a:r>
-              <a:rPr lang="ru-RU" dirty="0"/>
-              <a:t> </a:t>
-            </a:r>
-            <a:r>
-              <a:rPr lang="ru-RU" dirty="0" err="1"/>
-              <a:t>приємно</a:t>
-            </a:r>
-            <a:r>
-              <a:rPr lang="ru-RU" dirty="0"/>
-              <a:t> - </a:t>
-            </a:r>
-            <a:r>
-              <a:rPr lang="ru-RU" dirty="0" err="1"/>
-              <a:t>ви</a:t>
-            </a:r>
-            <a:r>
-              <a:rPr lang="ru-RU" dirty="0"/>
-              <a:t> можете </a:t>
-            </a:r>
-            <a:r>
-              <a:rPr lang="ru-RU" dirty="0" err="1"/>
-              <a:t>зв’язати</a:t>
-            </a:r>
-            <a:r>
-              <a:rPr lang="ru-RU" dirty="0"/>
-              <a:t> </a:t>
-            </a:r>
-            <a:r>
-              <a:rPr lang="ru-RU" dirty="0" err="1"/>
-              <a:t>його</a:t>
-            </a:r>
-            <a:r>
-              <a:rPr lang="ru-RU" dirty="0"/>
-              <a:t> прямо в </a:t>
-            </a:r>
-            <a:r>
-              <a:rPr lang="uk-UA" dirty="0"/>
-              <a:t>методі </a:t>
-            </a:r>
-            <a:r>
-              <a:rPr lang="en-US" dirty="0"/>
-              <a:t>render</a:t>
-            </a:r>
-            <a:r>
-              <a:rPr lang="ru-RU" dirty="0"/>
-              <a:t>, не </a:t>
-            </a:r>
-            <a:r>
-              <a:rPr lang="uk-UA" dirty="0"/>
-              <a:t>думаючи імперативно</a:t>
-            </a:r>
-            <a:r>
-              <a:rPr lang="ru-RU" dirty="0"/>
-              <a:t>. </a:t>
-            </a:r>
-            <a:r>
-              <a:rPr lang="ru-RU" dirty="0" err="1"/>
-              <a:t>Цей</a:t>
-            </a:r>
-            <a:r>
-              <a:rPr lang="ru-RU" dirty="0"/>
-              <a:t> компонент, в основному, </a:t>
-            </a:r>
-            <a:r>
-              <a:rPr lang="ru-RU" dirty="0" err="1"/>
-              <a:t>дозволяє</a:t>
-            </a:r>
-            <a:r>
-              <a:rPr lang="ru-RU" dirty="0"/>
-              <a:t> </a:t>
-            </a:r>
-            <a:r>
-              <a:rPr lang="ru-RU" dirty="0" err="1"/>
-              <a:t>згинати</a:t>
-            </a:r>
-            <a:r>
-              <a:rPr lang="ru-RU" dirty="0"/>
-              <a:t> ваше дерево потоку </a:t>
-            </a:r>
-            <a:r>
-              <a:rPr lang="ru-RU" dirty="0" err="1"/>
-              <a:t>даних</a:t>
-            </a:r>
-            <a:r>
-              <a:rPr lang="ru-RU" dirty="0"/>
-              <a:t> </a:t>
-            </a:r>
-            <a:r>
-              <a:rPr lang="ru-RU" dirty="0" err="1"/>
-              <a:t>React</a:t>
-            </a:r>
-            <a:r>
-              <a:rPr lang="ru-RU" dirty="0"/>
-              <a:t> в DOM дерево.</a:t>
+              <a:t>.</a:t>
             </a:r>
             <a:endParaRPr lang="uk-UA" dirty="0"/>
           </a:p>
@@ -1240,7 +1085,7 @@
           <a:p>
             <a:fld id="{57868601-390F-4A95-881F-A777CA14B77E}" type="slidenum">
               <a:rPr lang="uk-UA" smtClean="0"/>
-              <a:t>4</a:t>
+              <a:t>6</a:t>
             </a:fld>
             <a:endParaRPr lang="uk-UA"/>
           </a:p>
@@ -1249,7 +1094,7 @@
     </p:spTree>
     <p:extLst>
       <p:ext uri="{BB962C8B-B14F-4D97-AF65-F5344CB8AC3E}">
-        <p14:creationId xmlns:p14="http://schemas.microsoft.com/office/powerpoint/2010/main" val="3032755405"/>
+        <p14:creationId xmlns:p14="http://schemas.microsoft.com/office/powerpoint/2010/main" val="3590801795"/>
       </p:ext>
     </p:extLst>
   </p:cSld>
@@ -1303,6 +1148,66 @@
           <a:bodyPr/>
           <a:lstStyle/>
           <a:p>
+            <a:r>
+              <a:rPr lang="ru-RU" dirty="0"/>
+              <a:t>Ми </a:t>
+            </a:r>
+            <a:r>
+              <a:rPr lang="ru-RU" dirty="0" err="1"/>
+              <a:t>можемо</a:t>
+            </a:r>
+            <a:r>
+              <a:rPr lang="ru-RU" dirty="0"/>
+              <a:t> </a:t>
+            </a:r>
+            <a:r>
+              <a:rPr lang="ru-RU" dirty="0" err="1"/>
+              <a:t>генерувати</a:t>
+            </a:r>
+            <a:r>
+              <a:rPr lang="ru-RU" dirty="0"/>
+              <a:t> </a:t>
+            </a:r>
+            <a:r>
+              <a:rPr lang="ru-RU" dirty="0" err="1"/>
+              <a:t>цей</a:t>
+            </a:r>
+            <a:r>
+              <a:rPr lang="ru-RU" dirty="0"/>
+              <a:t> </a:t>
+            </a:r>
+            <a:r>
+              <a:rPr lang="uk-UA" dirty="0"/>
+              <a:t>вивід</a:t>
+            </a:r>
+            <a:r>
+              <a:rPr lang="ru-RU" dirty="0"/>
+              <a:t>, </a:t>
+            </a:r>
+            <a:r>
+              <a:rPr lang="ru-RU" dirty="0" err="1"/>
+              <a:t>використовуючи</a:t>
+            </a:r>
+            <a:r>
+              <a:rPr lang="ru-RU" dirty="0"/>
+              <a:t> пару </a:t>
+            </a:r>
+            <a:r>
+              <a:rPr lang="ru-RU" dirty="0" err="1"/>
+              <a:t>одноцільових</a:t>
+            </a:r>
+            <a:r>
+              <a:rPr lang="ru-RU" dirty="0"/>
+              <a:t> </a:t>
+            </a:r>
+            <a:r>
+              <a:rPr lang="ru-RU" dirty="0" err="1"/>
+              <a:t>компонентів</a:t>
+            </a:r>
+            <a:r>
+              <a:rPr lang="ru-RU" dirty="0"/>
+              <a:t>.</a:t>
+            </a:r>
             <a:endParaRPr lang="uk-UA" dirty="0"/>
           </a:p>
         </p:txBody>
@@ -1324,7 +1229,7 @@
           <a:p>
             <a:fld id="{57868601-390F-4A95-881F-A777CA14B77E}" type="slidenum">
               <a:rPr lang="uk-UA" smtClean="0"/>
-              <a:t>5</a:t>
+              <a:t>7</a:t>
             </a:fld>
             <a:endParaRPr lang="uk-UA"/>
           </a:p>
@@ -1333,7 +1238,7 @@
     </p:spTree>
     <p:extLst>
       <p:ext uri="{BB962C8B-B14F-4D97-AF65-F5344CB8AC3E}">
-        <p14:creationId xmlns:p14="http://schemas.microsoft.com/office/powerpoint/2010/main" val="2801657400"/>
+        <p14:creationId xmlns:p14="http://schemas.microsoft.com/office/powerpoint/2010/main" val="650148839"/>
       </p:ext>
     </p:extLst>
   </p:cSld>
@@ -1387,87 +1292,127 @@
           <a:bodyPr/>
           <a:lstStyle/>
           <a:p>
-            <a:r>
-              <a:rPr lang="ru-RU" dirty="0" err="1"/>
+            <a:pPr rtl="0"/>
+            <a:r>
+              <a:rPr lang="ru-RU" sz="1200" b="0" i="0" kern="1200" dirty="0" err="1">
+                <a:solidFill>
+                  <a:schemeClr val="tx1"/>
+                </a:solidFill>
+                <a:effectLst/>
+                <a:latin typeface="+mn-lt"/>
+                <a:ea typeface="+mn-ea"/>
+                <a:cs typeface="+mn-cs"/>
+              </a:rPr>
               <a:t>Це</a:t>
             </a:r>
             <a:r>
-              <a:rPr lang="ru-RU" dirty="0"/>
-              <a:t> компонент </a:t>
-            </a:r>
-            <a:r>
-              <a:rPr lang="ru-RU" dirty="0" err="1"/>
-              <a:t>проксі</a:t>
-            </a:r>
-            <a:r>
-              <a:rPr lang="ru-RU" dirty="0"/>
-              <a:t>, </a:t>
-            </a:r>
-            <a:r>
-              <a:rPr lang="ru-RU" dirty="0" err="1"/>
-              <a:t>який</a:t>
-            </a:r>
-            <a:r>
-              <a:rPr lang="ru-RU" dirty="0"/>
+              <a:rPr lang="ru-RU" sz="1200" b="0" i="0" kern="1200" dirty="0">
+                <a:solidFill>
+                  <a:schemeClr val="tx1"/>
+                </a:solidFill>
+                <a:effectLst/>
+                <a:latin typeface="+mn-lt"/>
+                <a:ea typeface="+mn-ea"/>
+                <a:cs typeface="+mn-cs"/>
+              </a:rPr>
               <a:t> </a:t>
             </a:r>
             <a:r>
-              <a:rPr lang="ru-RU" dirty="0" err="1"/>
-              <a:t>застосовується</a:t>
-            </a:r>
-            <a:r>
-              <a:rPr lang="ru-RU" dirty="0"/>
-              <a:t> до стилю. </a:t>
-            </a:r>
-            <a:r>
-              <a:rPr lang="ru-RU" dirty="0" err="1"/>
-              <a:t>Припустимо</a:t>
-            </a:r>
-            <a:r>
-              <a:rPr lang="ru-RU" dirty="0"/>
-              <a:t>, у нас є кнопка. Вона </a:t>
-            </a:r>
-            <a:r>
-              <a:rPr lang="ru-RU" dirty="0" err="1"/>
-              <a:t>використовує</a:t>
-            </a:r>
-            <a:r>
-              <a:rPr lang="ru-RU" dirty="0"/>
+              <a:rPr lang="ru-RU" sz="1200" b="0" i="0" kern="1200" dirty="0" err="1">
+                <a:solidFill>
+                  <a:schemeClr val="tx1"/>
+                </a:solidFill>
+                <a:effectLst/>
+                <a:latin typeface="+mn-lt"/>
+                <a:ea typeface="+mn-ea"/>
+                <a:cs typeface="+mn-cs"/>
+              </a:rPr>
+              <a:t>може</a:t>
+            </a:r>
+            <a:r>
+              <a:rPr lang="ru-RU" sz="1200" b="0" i="0" kern="1200" dirty="0">
+                <a:solidFill>
+                  <a:schemeClr val="tx1"/>
+                </a:solidFill>
+                <a:effectLst/>
+                <a:latin typeface="+mn-lt"/>
+                <a:ea typeface="+mn-ea"/>
+                <a:cs typeface="+mn-cs"/>
+              </a:rPr>
               <a:t> </a:t>
             </a:r>
             <a:r>
-              <a:rPr lang="ru-RU" dirty="0" err="1"/>
-              <a:t>класи</a:t>
-            </a:r>
-            <a:r>
-              <a:rPr lang="ru-RU" dirty="0"/>
-              <a:t> для </a:t>
-            </a:r>
-            <a:r>
-              <a:rPr lang="ru-RU" dirty="0" err="1"/>
-              <a:t>стилізації</a:t>
-            </a:r>
-            <a:r>
-              <a:rPr lang="ru-RU" dirty="0"/>
-              <a:t> як “</a:t>
-            </a:r>
-            <a:r>
-              <a:rPr lang="en-US" dirty="0"/>
-              <a:t>primary</a:t>
-            </a:r>
-            <a:r>
-              <a:rPr lang="ru-RU" dirty="0"/>
-              <a:t>" </a:t>
-            </a:r>
-            <a:r>
-              <a:rPr lang="en-US" dirty="0"/>
-              <a:t>button</a:t>
-            </a:r>
-            <a:r>
-              <a:rPr lang="ru-RU" dirty="0"/>
+              <a:rPr lang="ru-RU" sz="1200" b="0" i="0" kern="1200" dirty="0" err="1">
+                <a:solidFill>
+                  <a:schemeClr val="tx1"/>
+                </a:solidFill>
+                <a:effectLst/>
+                <a:latin typeface="+mn-lt"/>
+                <a:ea typeface="+mn-ea"/>
+                <a:cs typeface="+mn-cs"/>
+              </a:rPr>
+              <a:t>допомогти</a:t>
+            </a:r>
+            <a:r>
+              <a:rPr lang="ru-RU" sz="1200" b="0" i="0" kern="1200" dirty="0">
+                <a:solidFill>
+                  <a:schemeClr val="tx1"/>
+                </a:solidFill>
+                <a:effectLst/>
+                <a:latin typeface="+mn-lt"/>
+                <a:ea typeface="+mn-ea"/>
+                <a:cs typeface="+mn-cs"/>
+              </a:rPr>
+              <a:t> </a:t>
+            </a:r>
+            <a:r>
+              <a:rPr lang="ru-RU" sz="1200" b="0" i="0" kern="1200" dirty="0" err="1">
+                <a:solidFill>
+                  <a:schemeClr val="tx1"/>
+                </a:solidFill>
+                <a:effectLst/>
+                <a:latin typeface="+mn-lt"/>
+                <a:ea typeface="+mn-ea"/>
+                <a:cs typeface="+mn-cs"/>
+              </a:rPr>
+              <a:t>візуалізувати</a:t>
+            </a:r>
+            <a:r>
+              <a:rPr lang="ru-RU" sz="1200" b="0" i="0" kern="1200" dirty="0">
+                <a:solidFill>
+                  <a:schemeClr val="tx1"/>
+                </a:solidFill>
+                <a:effectLst/>
+                <a:latin typeface="+mn-lt"/>
+                <a:ea typeface="+mn-ea"/>
+                <a:cs typeface="+mn-cs"/>
+              </a:rPr>
+              <a:t> </a:t>
+            </a:r>
+            <a:r>
+              <a:rPr lang="ru-RU" sz="1200" b="0" i="0" kern="1200" dirty="0" err="1">
+                <a:solidFill>
+                  <a:schemeClr val="tx1"/>
+                </a:solidFill>
+                <a:effectLst/>
+                <a:latin typeface="+mn-lt"/>
+                <a:ea typeface="+mn-ea"/>
+                <a:cs typeface="+mn-cs"/>
+              </a:rPr>
+              <a:t>це</a:t>
+            </a:r>
+            <a:r>
+              <a:rPr lang="ru-RU" sz="1200" b="0" i="0" kern="1200" dirty="0">
+                <a:solidFill>
+                  <a:schemeClr val="tx1"/>
+                </a:solidFill>
+                <a:effectLst/>
+                <a:latin typeface="+mn-lt"/>
+                <a:ea typeface="+mn-ea"/>
+                <a:cs typeface="+mn-cs"/>
+              </a:rPr>
               <a:t>.</a:t>
             </a:r>
-            <a:endParaRPr lang="uk-UA" dirty="0"/>
           </a:p>
         </p:txBody>
       </p:sp>
@@ -1497,7 +1442,7 @@
     </p:spTree>
     <p:extLst>
       <p:ext uri="{BB962C8B-B14F-4D97-AF65-F5344CB8AC3E}">
-        <p14:creationId xmlns:p14="http://schemas.microsoft.com/office/powerpoint/2010/main" val="3590801795"/>
+        <p14:creationId xmlns:p14="http://schemas.microsoft.com/office/powerpoint/2010/main" val="1806178552"/>
       </p:ext>
     </p:extLst>
   </p:cSld>
@@ -1552,12 +1497,8 @@
           <a:lstStyle/>
           <a:p>
             <a:r>
-              <a:rPr lang="ru-RU" dirty="0"/>
-              <a:t>Ми </a:t>
-            </a:r>
-            <a:r>
               <a:rPr lang="ru-RU" dirty="0" err="1"/>
-              <a:t>можемо</a:t>
+              <a:t>Використовуючи</a:t>
             </a:r>
             <a:r>
               <a:rPr lang="ru-RU" dirty="0"/>
@@ -1565,7 +1506,7 @@
             </a:r>
             <a:r>
               <a:rPr lang="ru-RU" dirty="0" err="1"/>
-              <a:t>генерувати</a:t>
+              <a:t>ці</a:t>
             </a:r>
             <a:r>
               <a:rPr lang="ru-RU" dirty="0"/>
@@ -1573,31 +1514,36 @@
             </a:r>
             <a:r>
               <a:rPr lang="ru-RU" dirty="0" err="1"/>
-              <a:t>цей</a:t>
+              <a:t>компоненти</a:t>
+            </a:r>
+            <a:r>
+              <a:rPr lang="ru-RU" dirty="0"/>
+              <a:t>, все </a:t>
+            </a:r>
+            <a:r>
+              <a:rPr lang="ru-RU" dirty="0" err="1"/>
+              <a:t>це</a:t>
             </a:r>
             <a:r>
               <a:rPr lang="ru-RU" dirty="0"/>
               <a:t> </a:t>
             </a:r>
             <a:r>
-              <a:rPr lang="uk-UA" dirty="0"/>
-              <a:t>вивід</a:t>
+              <a:rPr lang="ru-RU" dirty="0" err="1"/>
+              <a:t>призводить</a:t>
             </a:r>
             <a:r>
               <a:rPr lang="ru-RU" dirty="0"/>
-              <a:t>, </a:t>
-            </a:r>
+              <a:t> до одного результату.</a:t>
+            </a:r>
+          </a:p>
+          <a:p>
+            <a:endParaRPr lang="ru-RU" dirty="0"/>
+          </a:p>
+          <a:p>
             <a:r>
               <a:rPr lang="ru-RU" dirty="0" err="1"/>
-              <a:t>використовуючи</a:t>
-            </a:r>
-            <a:r>
-              <a:rPr lang="ru-RU" dirty="0"/>
-              <a:t> пару </a:t>
-            </a:r>
-            <a:r>
-              <a:rPr lang="ru-RU" dirty="0" err="1"/>
-              <a:t>одноцільових</a:t>
+              <a:t>Це</a:t>
             </a:r>
             <a:r>
               <a:rPr lang="ru-RU" dirty="0"/>
@@ -1605,11 +1551,67 @@
             </a:r>
             <a:r>
               <a:rPr lang="ru-RU" dirty="0" err="1"/>
-              <a:t>компонентів</a:t>
+              <a:t>може</a:t>
             </a:r>
             <a:r>
               <a:rPr lang="ru-RU" dirty="0"/>
-              <a:t>.</a:t>
+              <a:t> бути </a:t>
+            </a:r>
+            <a:r>
+              <a:rPr lang="ru-RU" dirty="0" err="1"/>
+              <a:t>величезним</a:t>
+            </a:r>
+            <a:r>
+              <a:rPr lang="ru-RU" dirty="0"/>
+              <a:t> благом для </a:t>
+            </a:r>
+            <a:r>
+              <a:rPr lang="ru-RU" dirty="0" err="1"/>
+              <a:t>підтримки</a:t>
+            </a:r>
+            <a:r>
+              <a:rPr lang="ru-RU" dirty="0"/>
+              <a:t> </a:t>
+            </a:r>
+            <a:r>
+              <a:rPr lang="ru-RU" dirty="0" err="1"/>
+              <a:t>стилів</a:t>
+            </a:r>
+            <a:r>
+              <a:rPr lang="ru-RU" dirty="0"/>
+              <a:t>. </a:t>
+            </a:r>
+            <a:r>
+              <a:rPr lang="ru-RU" dirty="0" err="1"/>
+              <a:t>Це</a:t>
+            </a:r>
+            <a:r>
+              <a:rPr lang="ru-RU" dirty="0"/>
+              <a:t> </a:t>
+            </a:r>
+            <a:r>
+              <a:rPr lang="ru-RU" dirty="0" err="1"/>
+              <a:t>ізолює</a:t>
+            </a:r>
+            <a:r>
+              <a:rPr lang="ru-RU" dirty="0"/>
+              <a:t> </a:t>
+            </a:r>
+            <a:r>
+              <a:rPr lang="ru-RU" dirty="0" err="1"/>
+              <a:t>всі</a:t>
+            </a:r>
+            <a:r>
+              <a:rPr lang="ru-RU" dirty="0"/>
+              <a:t> </a:t>
+            </a:r>
+            <a:r>
+              <a:rPr lang="ru-RU" dirty="0" err="1"/>
+              <a:t>проблеми</a:t>
+            </a:r>
+            <a:r>
+              <a:rPr lang="ru-RU" dirty="0"/>
+              <a:t> стилю до одного компонента.</a:t>
             </a:r>
             <a:endParaRPr lang="uk-UA" dirty="0"/>
           </a:p>
@@ -1633,411 +1635,6 @@
             <a:fld id="{57868601-390F-4A95-881F-A777CA14B77E}" type="slidenum">
               <a:rPr lang="uk-UA" smtClean="0"/>
               <a:t>9</a:t>
-            </a:fld>
-            <a:endParaRPr lang="uk-UA"/>
-          </a:p>
-        </p:txBody>
-      </p:sp>
-    </p:spTree>
-    <p:extLst>
-      <p:ext uri="{BB962C8B-B14F-4D97-AF65-F5344CB8AC3E}">
-        <p14:creationId xmlns:p14="http://schemas.microsoft.com/office/powerpoint/2010/main" val="650148839"/>
-      </p:ext>
-    </p:extLst>
-  </p:cSld>
-  <p:clrMapOvr>
-    <a:masterClrMapping/>
-  </p:clrMapOvr>
-</p:notes>
-</file>
-
-<file path=ppt/notesSlides/notesSlide8.xml><?xml version="1.0" encoding="utf-8"?>
-<p:notes xmlns:a="http://schemas.openxmlformats.org/drawingml/2006/main" xmlns:r="http://schemas.openxmlformats.org/officeDocument/2006/relationships" xmlns:p="http://schemas.openxmlformats.org/presentationml/2006/main">
-  <p:cSld>
-    <p:spTree>
-      <p:nvGrpSpPr>
-        <p:cNvPr id="1" name=""/>
-        <p:cNvGrpSpPr/>
-        <p:nvPr/>
-      </p:nvGrpSpPr>
-      <p:grpSpPr>
-        <a:xfrm>
-          <a:off x="0" y="0"/>
-          <a:ext cx="0" cy="0"/>
-          <a:chOff x="0" y="0"/>
-          <a:chExt cx="0" cy="0"/>
-        </a:xfrm>
-      </p:grpSpPr>
-      <p:sp>
-        <p:nvSpPr>
-          <p:cNvPr id="2" name="Образ слайда 1"/>
-          <p:cNvSpPr>
-            <a:spLocks noGrp="1" noRot="1" noChangeAspect="1"/>
-          </p:cNvSpPr>
-          <p:nvPr>
-            <p:ph type="sldImg"/>
-          </p:nvPr>
-        </p:nvSpPr>
-        <p:spPr/>
-      </p:sp>
-      <p:sp>
-        <p:nvSpPr>
-          <p:cNvPr id="3" name="Заметки 2"/>
-          <p:cNvSpPr>
-            <a:spLocks noGrp="1"/>
-          </p:cNvSpPr>
-          <p:nvPr>
-            <p:ph type="body" idx="1"/>
-          </p:nvPr>
-        </p:nvSpPr>
-        <p:spPr/>
-        <p:txBody>
-          <a:bodyPr/>
-          <a:lstStyle/>
-          <a:p>
-            <a:pPr rtl="0"/>
-            <a:r>
-              <a:rPr lang="ru-RU" sz="1200" b="0" i="0" kern="1200" dirty="0" err="1">
-                <a:solidFill>
-                  <a:schemeClr val="tx1"/>
-                </a:solidFill>
-                <a:effectLst/>
-                <a:latin typeface="+mn-lt"/>
-                <a:ea typeface="+mn-ea"/>
-                <a:cs typeface="+mn-cs"/>
-              </a:rPr>
-              <a:t>Це</a:t>
-            </a:r>
-            <a:r>
-              <a:rPr lang="ru-RU" sz="1200" b="0" i="0" kern="1200" dirty="0">
-                <a:solidFill>
-                  <a:schemeClr val="tx1"/>
-                </a:solidFill>
-                <a:effectLst/>
-                <a:latin typeface="+mn-lt"/>
-                <a:ea typeface="+mn-ea"/>
-                <a:cs typeface="+mn-cs"/>
-              </a:rPr>
-              <a:t> </a:t>
-            </a:r>
-            <a:r>
-              <a:rPr lang="ru-RU" sz="1200" b="0" i="0" kern="1200" dirty="0" err="1">
-                <a:solidFill>
-                  <a:schemeClr val="tx1"/>
-                </a:solidFill>
-                <a:effectLst/>
-                <a:latin typeface="+mn-lt"/>
-                <a:ea typeface="+mn-ea"/>
-                <a:cs typeface="+mn-cs"/>
-              </a:rPr>
-              <a:t>може</a:t>
-            </a:r>
-            <a:r>
-              <a:rPr lang="ru-RU" sz="1200" b="0" i="0" kern="1200" dirty="0">
-                <a:solidFill>
-                  <a:schemeClr val="tx1"/>
-                </a:solidFill>
-                <a:effectLst/>
-                <a:latin typeface="+mn-lt"/>
-                <a:ea typeface="+mn-ea"/>
-                <a:cs typeface="+mn-cs"/>
-              </a:rPr>
-              <a:t> </a:t>
-            </a:r>
-            <a:r>
-              <a:rPr lang="ru-RU" sz="1200" b="0" i="0" kern="1200" dirty="0" err="1">
-                <a:solidFill>
-                  <a:schemeClr val="tx1"/>
-                </a:solidFill>
-                <a:effectLst/>
-                <a:latin typeface="+mn-lt"/>
-                <a:ea typeface="+mn-ea"/>
-                <a:cs typeface="+mn-cs"/>
-              </a:rPr>
-              <a:t>допомогти</a:t>
-            </a:r>
-            <a:r>
-              <a:rPr lang="ru-RU" sz="1200" b="0" i="0" kern="1200" dirty="0">
-                <a:solidFill>
-                  <a:schemeClr val="tx1"/>
-                </a:solidFill>
-                <a:effectLst/>
-                <a:latin typeface="+mn-lt"/>
-                <a:ea typeface="+mn-ea"/>
-                <a:cs typeface="+mn-cs"/>
-              </a:rPr>
-              <a:t> </a:t>
-            </a:r>
-            <a:r>
-              <a:rPr lang="ru-RU" sz="1200" b="0" i="0" kern="1200" dirty="0" err="1">
-                <a:solidFill>
-                  <a:schemeClr val="tx1"/>
-                </a:solidFill>
-                <a:effectLst/>
-                <a:latin typeface="+mn-lt"/>
-                <a:ea typeface="+mn-ea"/>
-                <a:cs typeface="+mn-cs"/>
-              </a:rPr>
-              <a:t>візуалізувати</a:t>
-            </a:r>
-            <a:r>
-              <a:rPr lang="ru-RU" sz="1200" b="0" i="0" kern="1200" dirty="0">
-                <a:solidFill>
-                  <a:schemeClr val="tx1"/>
-                </a:solidFill>
-                <a:effectLst/>
-                <a:latin typeface="+mn-lt"/>
-                <a:ea typeface="+mn-ea"/>
-                <a:cs typeface="+mn-cs"/>
-              </a:rPr>
-              <a:t> </a:t>
-            </a:r>
-            <a:r>
-              <a:rPr lang="ru-RU" sz="1200" b="0" i="0" kern="1200" dirty="0" err="1">
-                <a:solidFill>
-                  <a:schemeClr val="tx1"/>
-                </a:solidFill>
-                <a:effectLst/>
-                <a:latin typeface="+mn-lt"/>
-                <a:ea typeface="+mn-ea"/>
-                <a:cs typeface="+mn-cs"/>
-              </a:rPr>
-              <a:t>це</a:t>
-            </a:r>
-            <a:r>
-              <a:rPr lang="ru-RU" sz="1200" b="0" i="0" kern="1200" dirty="0">
-                <a:solidFill>
-                  <a:schemeClr val="tx1"/>
-                </a:solidFill>
-                <a:effectLst/>
-                <a:latin typeface="+mn-lt"/>
-                <a:ea typeface="+mn-ea"/>
-                <a:cs typeface="+mn-cs"/>
-              </a:rPr>
-              <a:t>.</a:t>
-            </a:r>
-          </a:p>
-        </p:txBody>
-      </p:sp>
-      <p:sp>
-        <p:nvSpPr>
-          <p:cNvPr id="4" name="Номер слайда 3"/>
-          <p:cNvSpPr>
-            <a:spLocks noGrp="1"/>
-          </p:cNvSpPr>
-          <p:nvPr>
-            <p:ph type="sldNum" sz="quarter" idx="5"/>
-          </p:nvPr>
-        </p:nvSpPr>
-        <p:spPr/>
-        <p:txBody>
-          <a:bodyPr/>
-          <a:lstStyle/>
-          <a:p>
-            <a:fld id="{57868601-390F-4A95-881F-A777CA14B77E}" type="slidenum">
-              <a:rPr lang="uk-UA" smtClean="0"/>
-              <a:t>10</a:t>
-            </a:fld>
-            <a:endParaRPr lang="uk-UA"/>
-          </a:p>
-        </p:txBody>
-      </p:sp>
-    </p:spTree>
-    <p:extLst>
-      <p:ext uri="{BB962C8B-B14F-4D97-AF65-F5344CB8AC3E}">
-        <p14:creationId xmlns:p14="http://schemas.microsoft.com/office/powerpoint/2010/main" val="1806178552"/>
-      </p:ext>
-    </p:extLst>
-  </p:cSld>
-  <p:clrMapOvr>
-    <a:masterClrMapping/>
-  </p:clrMapOvr>
-</p:notes>
-</file>
-
-<file path=ppt/notesSlides/notesSlide9.xml><?xml version="1.0" encoding="utf-8"?>
-<p:notes xmlns:a="http://schemas.openxmlformats.org/drawingml/2006/main" xmlns:r="http://schemas.openxmlformats.org/officeDocument/2006/relationships" xmlns:p="http://schemas.openxmlformats.org/presentationml/2006/main">
-  <p:cSld>
-    <p:spTree>
-      <p:nvGrpSpPr>
-        <p:cNvPr id="1" name=""/>
-        <p:cNvGrpSpPr/>
-        <p:nvPr/>
-      </p:nvGrpSpPr>
-      <p:grpSpPr>
-        <a:xfrm>
-          <a:off x="0" y="0"/>
-          <a:ext cx="0" cy="0"/>
-          <a:chOff x="0" y="0"/>
-          <a:chExt cx="0" cy="0"/>
-        </a:xfrm>
-      </p:grpSpPr>
-      <p:sp>
-        <p:nvSpPr>
-          <p:cNvPr id="2" name="Образ слайда 1"/>
-          <p:cNvSpPr>
-            <a:spLocks noGrp="1" noRot="1" noChangeAspect="1"/>
-          </p:cNvSpPr>
-          <p:nvPr>
-            <p:ph type="sldImg"/>
-          </p:nvPr>
-        </p:nvSpPr>
-        <p:spPr/>
-      </p:sp>
-      <p:sp>
-        <p:nvSpPr>
-          <p:cNvPr id="3" name="Заметки 2"/>
-          <p:cNvSpPr>
-            <a:spLocks noGrp="1"/>
-          </p:cNvSpPr>
-          <p:nvPr>
-            <p:ph type="body" idx="1"/>
-          </p:nvPr>
-        </p:nvSpPr>
-        <p:spPr/>
-        <p:txBody>
-          <a:bodyPr/>
-          <a:lstStyle/>
-          <a:p>
-            <a:r>
-              <a:rPr lang="ru-RU" dirty="0" err="1"/>
-              <a:t>Використовуючи</a:t>
-            </a:r>
-            <a:r>
-              <a:rPr lang="ru-RU" dirty="0"/>
-              <a:t> </a:t>
-            </a:r>
-            <a:r>
-              <a:rPr lang="ru-RU" dirty="0" err="1"/>
-              <a:t>ці</a:t>
-            </a:r>
-            <a:r>
-              <a:rPr lang="ru-RU" dirty="0"/>
-              <a:t> </a:t>
-            </a:r>
-            <a:r>
-              <a:rPr lang="ru-RU" dirty="0" err="1"/>
-              <a:t>компоненти</a:t>
-            </a:r>
-            <a:r>
-              <a:rPr lang="ru-RU" dirty="0"/>
-              <a:t>, все </a:t>
-            </a:r>
-            <a:r>
-              <a:rPr lang="ru-RU" dirty="0" err="1"/>
-              <a:t>це</a:t>
-            </a:r>
-            <a:r>
-              <a:rPr lang="ru-RU" dirty="0"/>
-              <a:t> </a:t>
-            </a:r>
-            <a:r>
-              <a:rPr lang="ru-RU" dirty="0" err="1"/>
-              <a:t>призводить</a:t>
-            </a:r>
-            <a:r>
-              <a:rPr lang="ru-RU" dirty="0"/>
-              <a:t> до одного результату.</a:t>
-            </a:r>
-          </a:p>
-          <a:p>
-            <a:endParaRPr lang="ru-RU" dirty="0"/>
-          </a:p>
-          <a:p>
-            <a:r>
-              <a:rPr lang="ru-RU" dirty="0" err="1"/>
-              <a:t>Це</a:t>
-            </a:r>
-            <a:r>
-              <a:rPr lang="ru-RU" dirty="0"/>
-              <a:t> </a:t>
-            </a:r>
-            <a:r>
-              <a:rPr lang="ru-RU" dirty="0" err="1"/>
-              <a:t>може</a:t>
-            </a:r>
-            <a:r>
-              <a:rPr lang="ru-RU" dirty="0"/>
-              <a:t> бути </a:t>
-            </a:r>
-            <a:r>
-              <a:rPr lang="ru-RU" dirty="0" err="1"/>
-              <a:t>величезним</a:t>
-            </a:r>
-            <a:r>
-              <a:rPr lang="ru-RU" dirty="0"/>
-              <a:t> благом для </a:t>
-            </a:r>
-            <a:r>
-              <a:rPr lang="ru-RU" dirty="0" err="1"/>
-              <a:t>підтримки</a:t>
-            </a:r>
-            <a:r>
-              <a:rPr lang="ru-RU" dirty="0"/>
-              <a:t> </a:t>
-            </a:r>
-            <a:r>
-              <a:rPr lang="ru-RU" dirty="0" err="1"/>
-              <a:t>стилів</a:t>
-            </a:r>
-            <a:r>
-              <a:rPr lang="ru-RU" dirty="0"/>
-              <a:t>. </a:t>
-            </a:r>
-            <a:r>
-              <a:rPr lang="ru-RU" dirty="0" err="1"/>
-              <a:t>Це</a:t>
-            </a:r>
-            <a:r>
-              <a:rPr lang="ru-RU" dirty="0"/>
-              <a:t> </a:t>
-            </a:r>
-            <a:r>
-              <a:rPr lang="ru-RU" dirty="0" err="1"/>
-              <a:t>ізолює</a:t>
-            </a:r>
-            <a:r>
-              <a:rPr lang="ru-RU" dirty="0"/>
-              <a:t> </a:t>
-            </a:r>
-            <a:r>
-              <a:rPr lang="ru-RU" dirty="0" err="1"/>
-              <a:t>всі</a:t>
-            </a:r>
-            <a:r>
-              <a:rPr lang="ru-RU" dirty="0"/>
-              <a:t> </a:t>
-            </a:r>
-            <a:r>
-              <a:rPr lang="ru-RU" dirty="0" err="1"/>
-              <a:t>проблеми</a:t>
-            </a:r>
-            <a:r>
-              <a:rPr lang="ru-RU" dirty="0"/>
-              <a:t> стилю до одного компонента.</a:t>
-            </a:r>
-            <a:endParaRPr lang="uk-UA" dirty="0"/>
-          </a:p>
-        </p:txBody>
-      </p:sp>
-      <p:sp>
-        <p:nvSpPr>
-          <p:cNvPr id="4" name="Номер слайда 3"/>
-          <p:cNvSpPr>
-            <a:spLocks noGrp="1"/>
-          </p:cNvSpPr>
-          <p:nvPr>
-            <p:ph type="sldNum" sz="quarter" idx="5"/>
-          </p:nvPr>
-        </p:nvSpPr>
-        <p:spPr/>
-        <p:txBody>
-          <a:bodyPr/>
-          <a:lstStyle/>
-          <a:p>
-            <a:fld id="{57868601-390F-4A95-881F-A777CA14B77E}" type="slidenum">
-              <a:rPr lang="uk-UA" smtClean="0"/>
-              <a:t>11</a:t>
             </a:fld>
             <a:endParaRPr lang="uk-UA"/>
           </a:p>
@@ -7207,327 +6804,6 @@
           <p:cNvPr id="2" name="Заголовок 1">
             <a:extLst>
               <a:ext uri="{FF2B5EF4-FFF2-40B4-BE49-F238E27FC236}">
-                <a16:creationId xmlns:a16="http://schemas.microsoft.com/office/drawing/2014/main" id="{D0636072-984B-41C3-ACE4-2FA0935D2C1E}"/>
-              </a:ext>
-            </a:extLst>
-          </p:cNvPr>
-          <p:cNvSpPr>
-            <a:spLocks noGrp="1"/>
-          </p:cNvSpPr>
-          <p:nvPr>
-            <p:ph type="title"/>
-          </p:nvPr>
-        </p:nvSpPr>
-        <p:spPr/>
-        <p:txBody>
-          <a:bodyPr/>
-          <a:lstStyle/>
-          <a:p>
-            <a:pPr>
-              <a:lnSpc>
-                <a:spcPct val="100000"/>
-              </a:lnSpc>
-            </a:pPr>
-            <a:r>
-              <a:rPr lang="en-US" sz="2400" dirty="0">
-                <a:latin typeface="Open Sans" panose="020B0604020202020204" charset="0"/>
-                <a:ea typeface="Open Sans" panose="020B0604020202020204" charset="0"/>
-                <a:cs typeface="Open Sans" panose="020B0604020202020204" charset="0"/>
-              </a:rPr>
-              <a:t>It can help to visualize this.</a:t>
-            </a:r>
-            <a:endParaRPr lang="uk-UA" sz="2400" dirty="0">
-              <a:latin typeface="Open Sans" panose="020B0604020202020204" charset="0"/>
-              <a:ea typeface="Open Sans" panose="020B0604020202020204" charset="0"/>
-              <a:cs typeface="Open Sans" panose="020B0604020202020204" charset="0"/>
-            </a:endParaRPr>
-          </a:p>
-        </p:txBody>
-      </p:sp>
-      <p:pic>
-        <p:nvPicPr>
-          <p:cNvPr id="7" name="Рисунок 6">
-            <a:extLst>
-              <a:ext uri="{FF2B5EF4-FFF2-40B4-BE49-F238E27FC236}">
-                <a16:creationId xmlns:a16="http://schemas.microsoft.com/office/drawing/2014/main" id="{61F2AA00-FB45-4DC2-81D2-9AEFD7E82157}"/>
-              </a:ext>
-            </a:extLst>
-          </p:cNvPr>
-          <p:cNvPicPr>
-            <a:picLocks noChangeAspect="1"/>
-          </p:cNvPicPr>
-          <p:nvPr/>
-        </p:nvPicPr>
-        <p:blipFill>
-          <a:blip r:embed="rId3">
-            <a:extLst>
-              <a:ext uri="{28A0092B-C50C-407E-A947-70E740481C1C}">
-                <a14:useLocalDpi xmlns:a14="http://schemas.microsoft.com/office/drawing/2010/main" val="0"/>
-              </a:ext>
-            </a:extLst>
-          </a:blip>
-          <a:stretch>
-            <a:fillRect/>
-          </a:stretch>
-        </p:blipFill>
-        <p:spPr>
-          <a:xfrm>
-            <a:off x="1987271" y="2401817"/>
-            <a:ext cx="8217457" cy="2054365"/>
-          </a:xfrm>
-          <a:prstGeom prst="rect">
-            <a:avLst/>
-          </a:prstGeom>
-          <a:ln>
-            <a:noFill/>
-          </a:ln>
-          <a:effectLst>
-            <a:outerShdw blurRad="292100" dist="139700" dir="2700000" algn="tl" rotWithShape="0">
-              <a:srgbClr val="333333">
-                <a:alpha val="65000"/>
-              </a:srgbClr>
-            </a:outerShdw>
-          </a:effectLst>
-        </p:spPr>
-      </p:pic>
-    </p:spTree>
-    <p:extLst>
-      <p:ext uri="{BB962C8B-B14F-4D97-AF65-F5344CB8AC3E}">
-        <p14:creationId xmlns:p14="http://schemas.microsoft.com/office/powerpoint/2010/main" val="2943764211"/>
-      </p:ext>
-    </p:extLst>
-  </p:cSld>
-  <p:clrMapOvr>
-    <a:masterClrMapping/>
-  </p:clrMapOvr>
-</p:sld>
-</file>
-
-<file path=ppt/slides/slide11.xml><?xml version="1.0" encoding="utf-8"?>
-<p:sld xmlns:a="http://schemas.openxmlformats.org/drawingml/2006/main" xmlns:r="http://schemas.openxmlformats.org/officeDocument/2006/relationships" xmlns:p="http://schemas.openxmlformats.org/presentationml/2006/main">
-  <p:cSld>
-    <p:spTree>
-      <p:nvGrpSpPr>
-        <p:cNvPr id="1" name=""/>
-        <p:cNvGrpSpPr/>
-        <p:nvPr/>
-      </p:nvGrpSpPr>
-      <p:grpSpPr>
-        <a:xfrm>
-          <a:off x="0" y="0"/>
-          <a:ext cx="0" cy="0"/>
-          <a:chOff x="0" y="0"/>
-          <a:chExt cx="0" cy="0"/>
-        </a:xfrm>
-      </p:grpSpPr>
-      <p:sp>
-        <p:nvSpPr>
-          <p:cNvPr id="2" name="Заголовок 1">
-            <a:extLst>
-              <a:ext uri="{FF2B5EF4-FFF2-40B4-BE49-F238E27FC236}">
-                <a16:creationId xmlns:a16="http://schemas.microsoft.com/office/drawing/2014/main" id="{80F04B17-F8EF-410F-8308-4EB256C3B3FB}"/>
-              </a:ext>
-            </a:extLst>
-          </p:cNvPr>
-          <p:cNvSpPr>
-            <a:spLocks noGrp="1"/>
-          </p:cNvSpPr>
-          <p:nvPr>
-            <p:ph type="title"/>
-          </p:nvPr>
-        </p:nvSpPr>
-        <p:spPr/>
-        <p:txBody>
-          <a:bodyPr/>
-          <a:lstStyle/>
-          <a:p>
-            <a:pPr>
-              <a:lnSpc>
-                <a:spcPct val="100000"/>
-              </a:lnSpc>
-            </a:pPr>
-            <a:r>
-              <a:rPr lang="en-US" sz="2400" dirty="0">
-                <a:latin typeface="Open Sans" panose="020B0604020202020204" charset="0"/>
-                <a:ea typeface="Open Sans" panose="020B0604020202020204" charset="0"/>
-                <a:cs typeface="Open Sans" panose="020B0604020202020204" charset="0"/>
-              </a:rPr>
-              <a:t>Using these components, all of these result in the same output.</a:t>
-            </a:r>
-            <a:br>
-              <a:rPr lang="en-US" sz="2400" dirty="0">
-                <a:latin typeface="Open Sans" panose="020B0604020202020204" charset="0"/>
-                <a:ea typeface="Open Sans" panose="020B0604020202020204" charset="0"/>
-                <a:cs typeface="Open Sans" panose="020B0604020202020204" charset="0"/>
-              </a:rPr>
-            </a:br>
-            <a:br>
-              <a:rPr lang="en-US" sz="2400" dirty="0">
-                <a:latin typeface="Open Sans" panose="020B0604020202020204" charset="0"/>
-                <a:ea typeface="Open Sans" panose="020B0604020202020204" charset="0"/>
-                <a:cs typeface="Open Sans" panose="020B0604020202020204" charset="0"/>
-              </a:rPr>
-            </a:br>
-            <a:br>
-              <a:rPr lang="en-US" sz="2400" dirty="0">
-                <a:latin typeface="Open Sans" panose="020B0604020202020204" charset="0"/>
-                <a:ea typeface="Open Sans" panose="020B0604020202020204" charset="0"/>
-                <a:cs typeface="Open Sans" panose="020B0604020202020204" charset="0"/>
-              </a:rPr>
-            </a:br>
-            <a:br>
-              <a:rPr lang="en-US" sz="2400" dirty="0">
-                <a:latin typeface="Open Sans" panose="020B0604020202020204" charset="0"/>
-                <a:ea typeface="Open Sans" panose="020B0604020202020204" charset="0"/>
-                <a:cs typeface="Open Sans" panose="020B0604020202020204" charset="0"/>
-              </a:rPr>
-            </a:br>
-            <a:br>
-              <a:rPr lang="en-US" sz="2400" dirty="0">
-                <a:latin typeface="Open Sans" panose="020B0604020202020204" charset="0"/>
-                <a:ea typeface="Open Sans" panose="020B0604020202020204" charset="0"/>
-                <a:cs typeface="Open Sans" panose="020B0604020202020204" charset="0"/>
-              </a:rPr>
-            </a:br>
-            <a:br>
-              <a:rPr lang="en-US" sz="2400" dirty="0">
-                <a:latin typeface="Open Sans" panose="020B0604020202020204" charset="0"/>
-                <a:ea typeface="Open Sans" panose="020B0604020202020204" charset="0"/>
-                <a:cs typeface="Open Sans" panose="020B0604020202020204" charset="0"/>
-              </a:rPr>
-            </a:br>
-            <a:br>
-              <a:rPr lang="en-US" sz="2400" dirty="0">
-                <a:latin typeface="Open Sans" panose="020B0604020202020204" charset="0"/>
-                <a:ea typeface="Open Sans" panose="020B0604020202020204" charset="0"/>
-                <a:cs typeface="Open Sans" panose="020B0604020202020204" charset="0"/>
-              </a:rPr>
-            </a:br>
-            <a:br>
-              <a:rPr lang="en-US" sz="2400" dirty="0">
-                <a:latin typeface="Open Sans" panose="020B0604020202020204" charset="0"/>
-                <a:ea typeface="Open Sans" panose="020B0604020202020204" charset="0"/>
-                <a:cs typeface="Open Sans" panose="020B0604020202020204" charset="0"/>
-              </a:rPr>
-            </a:br>
-            <a:br>
-              <a:rPr lang="en-US" sz="2400" dirty="0">
-                <a:latin typeface="Open Sans" panose="020B0604020202020204" charset="0"/>
-                <a:ea typeface="Open Sans" panose="020B0604020202020204" charset="0"/>
-                <a:cs typeface="Open Sans" panose="020B0604020202020204" charset="0"/>
-              </a:rPr>
-            </a:br>
-            <a:br>
-              <a:rPr lang="en-US" sz="2400" dirty="0">
-                <a:latin typeface="Open Sans" panose="020B0604020202020204" charset="0"/>
-                <a:ea typeface="Open Sans" panose="020B0604020202020204" charset="0"/>
-                <a:cs typeface="Open Sans" panose="020B0604020202020204" charset="0"/>
-              </a:rPr>
-            </a:br>
-            <a:br>
-              <a:rPr lang="en-US" sz="2400" dirty="0">
-                <a:latin typeface="Open Sans" panose="020B0604020202020204" charset="0"/>
-                <a:ea typeface="Open Sans" panose="020B0604020202020204" charset="0"/>
-                <a:cs typeface="Open Sans" panose="020B0604020202020204" charset="0"/>
-              </a:rPr>
-            </a:br>
-            <a:r>
-              <a:rPr lang="en-US" sz="2400" dirty="0">
-                <a:latin typeface="Open Sans" panose="020B0604020202020204" charset="0"/>
-                <a:ea typeface="Open Sans" panose="020B0604020202020204" charset="0"/>
-                <a:cs typeface="Open Sans" panose="020B0604020202020204" charset="0"/>
-              </a:rPr>
-              <a:t>This can be a huge boon to style maintenance. It isolates all concerns of style to a single component.</a:t>
-            </a:r>
-            <a:endParaRPr lang="uk-UA" sz="2400" dirty="0">
-              <a:latin typeface="Open Sans" panose="020B0604020202020204" charset="0"/>
-              <a:ea typeface="Open Sans" panose="020B0604020202020204" charset="0"/>
-              <a:cs typeface="Open Sans" panose="020B0604020202020204" charset="0"/>
-            </a:endParaRPr>
-          </a:p>
-        </p:txBody>
-      </p:sp>
-      <p:pic>
-        <p:nvPicPr>
-          <p:cNvPr id="5" name="Рисунок 4">
-            <a:extLst>
-              <a:ext uri="{FF2B5EF4-FFF2-40B4-BE49-F238E27FC236}">
-                <a16:creationId xmlns:a16="http://schemas.microsoft.com/office/drawing/2014/main" id="{9D2F31FA-B16E-486F-B406-6E48A73377FE}"/>
-              </a:ext>
-            </a:extLst>
-          </p:cNvPr>
-          <p:cNvPicPr>
-            <a:picLocks noChangeAspect="1"/>
-          </p:cNvPicPr>
-          <p:nvPr/>
-        </p:nvPicPr>
-        <p:blipFill>
-          <a:blip r:embed="rId3">
-            <a:extLst>
-              <a:ext uri="{28A0092B-C50C-407E-A947-70E740481C1C}">
-                <a14:useLocalDpi xmlns:a14="http://schemas.microsoft.com/office/drawing/2010/main" val="0"/>
-              </a:ext>
-            </a:extLst>
-          </a:blip>
-          <a:stretch>
-            <a:fillRect/>
-          </a:stretch>
-        </p:blipFill>
-        <p:spPr>
-          <a:xfrm>
-            <a:off x="2276314" y="1897424"/>
-            <a:ext cx="7639372" cy="2032794"/>
-          </a:xfrm>
-          <a:prstGeom prst="rect">
-            <a:avLst/>
-          </a:prstGeom>
-          <a:ln>
-            <a:noFill/>
-          </a:ln>
-          <a:effectLst>
-            <a:outerShdw blurRad="292100" dist="139700" dir="2700000" algn="tl" rotWithShape="0">
-              <a:srgbClr val="333333">
-                <a:alpha val="65000"/>
-              </a:srgbClr>
-            </a:outerShdw>
-          </a:effectLst>
-        </p:spPr>
-      </p:pic>
-    </p:spTree>
-    <p:extLst>
-      <p:ext uri="{BB962C8B-B14F-4D97-AF65-F5344CB8AC3E}">
-        <p14:creationId xmlns:p14="http://schemas.microsoft.com/office/powerpoint/2010/main" val="3612697407"/>
-      </p:ext>
-    </p:extLst>
-  </p:cSld>
-  <p:clrMapOvr>
-    <a:masterClrMapping/>
-  </p:clrMapOvr>
-</p:sld>
-</file>
-
-<file path=ppt/slides/slide12.xml><?xml version="1.0" encoding="utf-8"?>
-<p:sld xmlns:a="http://schemas.openxmlformats.org/drawingml/2006/main" xmlns:r="http://schemas.openxmlformats.org/officeDocument/2006/relationships" xmlns:p="http://schemas.openxmlformats.org/presentationml/2006/main">
-  <p:cSld>
-    <p:spTree>
-      <p:nvGrpSpPr>
-        <p:cNvPr id="1" name=""/>
-        <p:cNvGrpSpPr/>
-        <p:nvPr/>
-      </p:nvGrpSpPr>
-      <p:grpSpPr>
-        <a:xfrm>
-          <a:off x="0" y="0"/>
-          <a:ext cx="0" cy="0"/>
-          <a:chOff x="0" y="0"/>
-          <a:chExt cx="0" cy="0"/>
-        </a:xfrm>
-      </p:grpSpPr>
-      <p:sp>
-        <p:nvSpPr>
-          <p:cNvPr id="2" name="Заголовок 1">
-            <a:extLst>
-              <a:ext uri="{FF2B5EF4-FFF2-40B4-BE49-F238E27FC236}">
                 <a16:creationId xmlns:a16="http://schemas.microsoft.com/office/drawing/2014/main" id="{F5CA4024-49BF-4605-BB95-7F3BFE615866}"/>
               </a:ext>
             </a:extLst>
@@ -7674,345 +6950,6 @@
       </p:grpSpPr>
       <p:sp>
         <p:nvSpPr>
-          <p:cNvPr id="4" name="Title 3"/>
-          <p:cNvSpPr>
-            <a:spLocks noGrp="1"/>
-          </p:cNvSpPr>
-          <p:nvPr>
-            <p:ph type="title"/>
-          </p:nvPr>
-        </p:nvSpPr>
-        <p:spPr/>
-        <p:txBody>
-          <a:bodyPr/>
-          <a:lstStyle/>
-          <a:p>
-            <a:pPr>
-              <a:lnSpc>
-                <a:spcPct val="100000"/>
-              </a:lnSpc>
-            </a:pPr>
-            <a:r>
-              <a:rPr lang="en-US" sz="5000" b="1" dirty="0"/>
-              <a:t>Higher-Order Components</a:t>
-            </a:r>
-            <a:br>
-              <a:rPr lang="en-US" sz="5000" b="1" dirty="0"/>
-            </a:br>
-            <a:br>
-              <a:rPr lang="en-US" sz="5000" b="1" dirty="0"/>
-            </a:br>
-            <a:r>
-              <a:rPr lang="en-US" sz="2000" dirty="0">
-                <a:latin typeface="Open Sans" panose="020B0604020202020204" charset="0"/>
-                <a:ea typeface="Open Sans" panose="020B0604020202020204" charset="0"/>
-                <a:cs typeface="Open Sans" panose="020B0604020202020204" charset="0"/>
-              </a:rPr>
-              <a:t>A higher-order component (HOC) is an advanced technique in React for reusing component logic. HOCs are not part of the React API, per se. They are a pattern that emerges from React’s compositional nature.</a:t>
-            </a:r>
-            <a:br>
-              <a:rPr lang="en-US" sz="2000" dirty="0">
-                <a:latin typeface="Open Sans" panose="020B0604020202020204" charset="0"/>
-                <a:ea typeface="Open Sans" panose="020B0604020202020204" charset="0"/>
-                <a:cs typeface="Open Sans" panose="020B0604020202020204" charset="0"/>
-              </a:rPr>
-            </a:br>
-            <a:br>
-              <a:rPr lang="en-US" sz="5000" dirty="0"/>
-            </a:br>
-            <a:endParaRPr lang="uk-UA" sz="5000" dirty="0"/>
-          </a:p>
-        </p:txBody>
-      </p:sp>
-    </p:spTree>
-    <p:extLst>
-      <p:ext uri="{BB962C8B-B14F-4D97-AF65-F5344CB8AC3E}">
-        <p14:creationId xmlns:p14="http://schemas.microsoft.com/office/powerpoint/2010/main" val="431128193"/>
-      </p:ext>
-    </p:extLst>
-  </p:cSld>
-  <p:clrMapOvr>
-    <a:masterClrMapping/>
-  </p:clrMapOvr>
-</p:sld>
-</file>
-
-<file path=ppt/slides/slide3.xml><?xml version="1.0" encoding="utf-8"?>
-<p:sld xmlns:a="http://schemas.openxmlformats.org/drawingml/2006/main" xmlns:r="http://schemas.openxmlformats.org/officeDocument/2006/relationships" xmlns:p="http://schemas.openxmlformats.org/presentationml/2006/main">
-  <p:cSld>
-    <p:spTree>
-      <p:nvGrpSpPr>
-        <p:cNvPr id="1" name=""/>
-        <p:cNvGrpSpPr/>
-        <p:nvPr/>
-      </p:nvGrpSpPr>
-      <p:grpSpPr>
-        <a:xfrm>
-          <a:off x="0" y="0"/>
-          <a:ext cx="0" cy="0"/>
-          <a:chOff x="0" y="0"/>
-          <a:chExt cx="0" cy="0"/>
-        </a:xfrm>
-      </p:grpSpPr>
-      <p:sp>
-        <p:nvSpPr>
-          <p:cNvPr id="2" name="Заголовок 1">
-            <a:extLst>
-              <a:ext uri="{FF2B5EF4-FFF2-40B4-BE49-F238E27FC236}">
-                <a16:creationId xmlns:a16="http://schemas.microsoft.com/office/drawing/2014/main" id="{BC7E04B4-7547-4381-A3E7-792C4F056128}"/>
-              </a:ext>
-            </a:extLst>
-          </p:cNvPr>
-          <p:cNvSpPr>
-            <a:spLocks noGrp="1"/>
-          </p:cNvSpPr>
-          <p:nvPr>
-            <p:ph type="title"/>
-          </p:nvPr>
-        </p:nvSpPr>
-        <p:spPr/>
-        <p:txBody>
-          <a:bodyPr/>
-          <a:lstStyle/>
-          <a:p>
-            <a:pPr>
-              <a:lnSpc>
-                <a:spcPct val="100000"/>
-              </a:lnSpc>
-            </a:pPr>
-            <a:r>
-              <a:rPr lang="en-US" sz="2000" dirty="0">
-                <a:latin typeface="Open Sans" panose="020B0604020202020204" charset="0"/>
-                <a:ea typeface="Open Sans" panose="020B0604020202020204" charset="0"/>
-                <a:cs typeface="Open Sans" panose="020B0604020202020204" charset="0"/>
-              </a:rPr>
-              <a:t>Concretely, a higher-order component is a function that takes a component and returns a new component.</a:t>
-            </a:r>
-            <a:br>
-              <a:rPr lang="en-US" sz="2000" dirty="0">
-                <a:latin typeface="Open Sans" panose="020B0604020202020204" charset="0"/>
-                <a:ea typeface="Open Sans" panose="020B0604020202020204" charset="0"/>
-                <a:cs typeface="Open Sans" panose="020B0604020202020204" charset="0"/>
-              </a:rPr>
-            </a:br>
-            <a:br>
-              <a:rPr lang="en-US" sz="2000" dirty="0">
-                <a:latin typeface="Open Sans" panose="020B0604020202020204" charset="0"/>
-                <a:ea typeface="Open Sans" panose="020B0604020202020204" charset="0"/>
-                <a:cs typeface="Open Sans" panose="020B0604020202020204" charset="0"/>
-              </a:rPr>
-            </a:br>
-            <a:br>
-              <a:rPr lang="en-US" sz="2000" dirty="0">
-                <a:latin typeface="Open Sans" panose="020B0604020202020204" charset="0"/>
-                <a:ea typeface="Open Sans" panose="020B0604020202020204" charset="0"/>
-                <a:cs typeface="Open Sans" panose="020B0604020202020204" charset="0"/>
-              </a:rPr>
-            </a:br>
-            <a:br>
-              <a:rPr lang="uk-UA" sz="2000" dirty="0">
-                <a:latin typeface="Open Sans" panose="020B0604020202020204" charset="0"/>
-                <a:ea typeface="Open Sans" panose="020B0604020202020204" charset="0"/>
-                <a:cs typeface="Open Sans" panose="020B0604020202020204" charset="0"/>
-              </a:rPr>
-            </a:br>
-            <a:br>
-              <a:rPr lang="uk-UA" sz="2000" dirty="0">
-                <a:latin typeface="Open Sans" panose="020B0604020202020204" charset="0"/>
-                <a:ea typeface="Open Sans" panose="020B0604020202020204" charset="0"/>
-                <a:cs typeface="Open Sans" panose="020B0604020202020204" charset="0"/>
-              </a:rPr>
-            </a:br>
-            <a:br>
-              <a:rPr lang="uk-UA" sz="2000" dirty="0">
-                <a:latin typeface="Open Sans" panose="020B0604020202020204" charset="0"/>
-                <a:ea typeface="Open Sans" panose="020B0604020202020204" charset="0"/>
-                <a:cs typeface="Open Sans" panose="020B0604020202020204" charset="0"/>
-              </a:rPr>
-            </a:br>
-            <a:br>
-              <a:rPr lang="en-US" sz="2000" dirty="0">
-                <a:latin typeface="Open Sans" panose="020B0604020202020204" charset="0"/>
-                <a:ea typeface="Open Sans" panose="020B0604020202020204" charset="0"/>
-                <a:cs typeface="Open Sans" panose="020B0604020202020204" charset="0"/>
-              </a:rPr>
-            </a:br>
-            <a:br>
-              <a:rPr lang="en-US" sz="2000" dirty="0">
-                <a:latin typeface="Open Sans" panose="020B0604020202020204" charset="0"/>
-                <a:ea typeface="Open Sans" panose="020B0604020202020204" charset="0"/>
-                <a:cs typeface="Open Sans" panose="020B0604020202020204" charset="0"/>
-              </a:rPr>
-            </a:br>
-            <a:br>
-              <a:rPr lang="en-US" sz="2000" dirty="0">
-                <a:latin typeface="Open Sans" panose="020B0604020202020204" charset="0"/>
-                <a:ea typeface="Open Sans" panose="020B0604020202020204" charset="0"/>
-                <a:cs typeface="Open Sans" panose="020B0604020202020204" charset="0"/>
-              </a:rPr>
-            </a:br>
-            <a:r>
-              <a:rPr lang="en-US" sz="2000" dirty="0">
-                <a:latin typeface="Open Sans" panose="020B0604020202020204" charset="0"/>
-                <a:ea typeface="Open Sans" panose="020B0604020202020204" charset="0"/>
-                <a:cs typeface="Open Sans" panose="020B0604020202020204" charset="0"/>
-              </a:rPr>
-              <a:t>Whereas a component transforms props into UI, a higher-order component transforms a component into another component. </a:t>
-            </a:r>
-            <a:br>
-              <a:rPr lang="en-US" sz="2000" dirty="0">
-                <a:latin typeface="Open Sans" panose="020B0604020202020204" charset="0"/>
-                <a:ea typeface="Open Sans" panose="020B0604020202020204" charset="0"/>
-                <a:cs typeface="Open Sans" panose="020B0604020202020204" charset="0"/>
-              </a:rPr>
-            </a:br>
-            <a:br>
-              <a:rPr lang="en-US" sz="2000" dirty="0">
-                <a:latin typeface="Open Sans" panose="020B0604020202020204" charset="0"/>
-                <a:ea typeface="Open Sans" panose="020B0604020202020204" charset="0"/>
-                <a:cs typeface="Open Sans" panose="020B0604020202020204" charset="0"/>
-              </a:rPr>
-            </a:br>
-            <a:r>
-              <a:rPr lang="en-US" sz="2000" dirty="0">
-                <a:latin typeface="Open Sans" panose="020B0604020202020204" charset="0"/>
-                <a:ea typeface="Open Sans" panose="020B0604020202020204" charset="0"/>
-                <a:cs typeface="Open Sans" panose="020B0604020202020204" charset="0"/>
-              </a:rPr>
-              <a:t>HOCs are common in third-party React libraries, such as Redux’s </a:t>
-            </a:r>
-            <a:r>
-              <a:rPr lang="en-US" sz="2000" b="1" dirty="0">
-                <a:latin typeface="Open Sans" panose="020B0604020202020204" charset="0"/>
-                <a:ea typeface="Open Sans" panose="020B0604020202020204" charset="0"/>
-                <a:cs typeface="Open Sans" panose="020B0604020202020204" charset="0"/>
-              </a:rPr>
-              <a:t>connect</a:t>
-            </a:r>
-            <a:r>
-              <a:rPr lang="en-US" sz="2000" dirty="0">
-                <a:latin typeface="Open Sans" panose="020B0604020202020204" charset="0"/>
-                <a:ea typeface="Open Sans" panose="020B0604020202020204" charset="0"/>
-                <a:cs typeface="Open Sans" panose="020B0604020202020204" charset="0"/>
-              </a:rPr>
-              <a:t> and Relay’s </a:t>
-            </a:r>
-            <a:r>
-              <a:rPr lang="en-US" sz="2000" b="1" dirty="0">
-                <a:latin typeface="Open Sans" panose="020B0604020202020204" charset="0"/>
-                <a:ea typeface="Open Sans" panose="020B0604020202020204" charset="0"/>
-                <a:cs typeface="Open Sans" panose="020B0604020202020204" charset="0"/>
-              </a:rPr>
-              <a:t>createFragmentContainer</a:t>
-            </a:r>
-            <a:r>
-              <a:rPr lang="en-US" sz="2000" dirty="0">
-                <a:latin typeface="Open Sans" panose="020B0604020202020204" charset="0"/>
-                <a:ea typeface="Open Sans" panose="020B0604020202020204" charset="0"/>
-                <a:cs typeface="Open Sans" panose="020B0604020202020204" charset="0"/>
-              </a:rPr>
-              <a:t>.</a:t>
-            </a:r>
-            <a:br>
-              <a:rPr lang="en-US" sz="2000" dirty="0">
-                <a:latin typeface="Open Sans" panose="020B0604020202020204" charset="0"/>
-                <a:ea typeface="Open Sans" panose="020B0604020202020204" charset="0"/>
-                <a:cs typeface="Open Sans" panose="020B0604020202020204" charset="0"/>
-              </a:rPr>
-            </a:br>
-            <a:br>
-              <a:rPr lang="en-US" sz="2000" dirty="0">
-                <a:latin typeface="Open Sans" panose="020B0604020202020204" charset="0"/>
-                <a:ea typeface="Open Sans" panose="020B0604020202020204" charset="0"/>
-                <a:cs typeface="Open Sans" panose="020B0604020202020204" charset="0"/>
-              </a:rPr>
-            </a:br>
-            <a:endParaRPr lang="uk-UA" sz="2000" dirty="0">
-              <a:latin typeface="Open Sans" panose="020B0604020202020204" charset="0"/>
-              <a:ea typeface="Open Sans" panose="020B0604020202020204" charset="0"/>
-              <a:cs typeface="Open Sans" panose="020B0604020202020204" charset="0"/>
-            </a:endParaRPr>
-          </a:p>
-        </p:txBody>
-      </p:sp>
-      <p:pic>
-        <p:nvPicPr>
-          <p:cNvPr id="5" name="Рисунок 4">
-            <a:extLst>
-              <a:ext uri="{FF2B5EF4-FFF2-40B4-BE49-F238E27FC236}">
-                <a16:creationId xmlns:a16="http://schemas.microsoft.com/office/drawing/2014/main" id="{315F8DFD-2EC5-4E14-B014-312BD8AD4A4C}"/>
-              </a:ext>
-            </a:extLst>
-          </p:cNvPr>
-          <p:cNvPicPr>
-            <a:picLocks noChangeAspect="1"/>
-          </p:cNvPicPr>
-          <p:nvPr/>
-        </p:nvPicPr>
-        <p:blipFill>
-          <a:blip r:embed="rId3">
-            <a:extLst>
-              <a:ext uri="{28A0092B-C50C-407E-A947-70E740481C1C}">
-                <a14:useLocalDpi xmlns:a14="http://schemas.microsoft.com/office/drawing/2010/main" val="0"/>
-              </a:ext>
-            </a:extLst>
-          </a:blip>
-          <a:stretch>
-            <a:fillRect/>
-          </a:stretch>
-        </p:blipFill>
-        <p:spPr>
-          <a:xfrm>
-            <a:off x="2443653" y="2134165"/>
-            <a:ext cx="7304693" cy="784578"/>
-          </a:xfrm>
-          <a:prstGeom prst="rect">
-            <a:avLst/>
-          </a:prstGeom>
-          <a:ln>
-            <a:noFill/>
-          </a:ln>
-          <a:effectLst>
-            <a:outerShdw blurRad="190500" algn="tl" rotWithShape="0">
-              <a:srgbClr val="000000">
-                <a:alpha val="70000"/>
-              </a:srgbClr>
-            </a:outerShdw>
-          </a:effectLst>
-        </p:spPr>
-      </p:pic>
-    </p:spTree>
-    <p:extLst>
-      <p:ext uri="{BB962C8B-B14F-4D97-AF65-F5344CB8AC3E}">
-        <p14:creationId xmlns:p14="http://schemas.microsoft.com/office/powerpoint/2010/main" val="3376491074"/>
-      </p:ext>
-    </p:extLst>
-  </p:cSld>
-  <p:clrMapOvr>
-    <a:masterClrMapping/>
-  </p:clrMapOvr>
-</p:sld>
-</file>
-
-<file path=ppt/slides/slide4.xml><?xml version="1.0" encoding="utf-8"?>
-<p:sld xmlns:a="http://schemas.openxmlformats.org/drawingml/2006/main" xmlns:r="http://schemas.openxmlformats.org/officeDocument/2006/relationships" xmlns:p="http://schemas.openxmlformats.org/presentationml/2006/main">
-  <p:cSld>
-    <p:spTree>
-      <p:nvGrpSpPr>
-        <p:cNvPr id="1" name=""/>
-        <p:cNvGrpSpPr/>
-        <p:nvPr/>
-      </p:nvGrpSpPr>
-      <p:grpSpPr>
-        <a:xfrm>
-          <a:off x="0" y="0"/>
-          <a:ext cx="0" cy="0"/>
-          <a:chOff x="0" y="0"/>
-          <a:chExt cx="0" cy="0"/>
-        </a:xfrm>
-      </p:grpSpPr>
-      <p:sp>
-        <p:nvSpPr>
           <p:cNvPr id="2" name="Заголовок 1">
             <a:extLst>
               <a:ext uri="{FF2B5EF4-FFF2-40B4-BE49-F238E27FC236}">
@@ -8076,7 +7013,7 @@
 </p:sld>
 </file>
 
-<file path=ppt/slides/slide5.xml><?xml version="1.0" encoding="utf-8"?>
+<file path=ppt/slides/slide3.xml><?xml version="1.0" encoding="utf-8"?>
 <p:sld xmlns:a="http://schemas.openxmlformats.org/drawingml/2006/main" xmlns:r="http://schemas.openxmlformats.org/officeDocument/2006/relationships" xmlns:p="http://schemas.openxmlformats.org/presentationml/2006/main">
   <p:cSld>
     <p:spTree>
@@ -8361,7 +7298,7 @@
 </p:sld>
 </file>
 
-<file path=ppt/slides/slide6.xml><?xml version="1.0" encoding="utf-8"?>
+<file path=ppt/slides/slide4.xml><?xml version="1.0" encoding="utf-8"?>
 <p:sld xmlns:a="http://schemas.openxmlformats.org/drawingml/2006/main" xmlns:r="http://schemas.openxmlformats.org/officeDocument/2006/relationships" xmlns:p="http://schemas.openxmlformats.org/presentationml/2006/main">
   <p:cSld>
     <p:spTree>
@@ -8646,7 +7583,7 @@
 </p:sld>
 </file>
 
-<file path=ppt/slides/slide7.xml><?xml version="1.0" encoding="utf-8"?>
+<file path=ppt/slides/slide5.xml><?xml version="1.0" encoding="utf-8"?>
 <p:sld xmlns:a="http://schemas.openxmlformats.org/drawingml/2006/main" xmlns:r="http://schemas.openxmlformats.org/officeDocument/2006/relationships" xmlns:p="http://schemas.openxmlformats.org/presentationml/2006/main">
   <p:cSld>
     <p:spTree>
@@ -8821,7 +7758,7 @@
 </p:sld>
 </file>
 
-<file path=ppt/slides/slide8.xml><?xml version="1.0" encoding="utf-8"?>
+<file path=ppt/slides/slide6.xml><?xml version="1.0" encoding="utf-8"?>
 <p:sld xmlns:a="http://schemas.openxmlformats.org/drawingml/2006/main" xmlns:r="http://schemas.openxmlformats.org/officeDocument/2006/relationships" xmlns:p="http://schemas.openxmlformats.org/presentationml/2006/main">
   <p:cSld>
     <p:spTree>
@@ -8981,7 +7918,7 @@
 </p:sld>
 </file>
 
-<file path=ppt/slides/slide9.xml><?xml version="1.0" encoding="utf-8"?>
+<file path=ppt/slides/slide7.xml><?xml version="1.0" encoding="utf-8"?>
 <p:sld xmlns:a="http://schemas.openxmlformats.org/drawingml/2006/main" xmlns:r="http://schemas.openxmlformats.org/officeDocument/2006/relationships" xmlns:p="http://schemas.openxmlformats.org/presentationml/2006/main">
   <p:cSld>
     <p:spTree>
@@ -9090,6 +8027,327 @@
     <p:extLst>
       <p:ext uri="{BB962C8B-B14F-4D97-AF65-F5344CB8AC3E}">
         <p14:creationId xmlns:p14="http://schemas.microsoft.com/office/powerpoint/2010/main" val="3611990118"/>
+      </p:ext>
+    </p:extLst>
+  </p:cSld>
+  <p:clrMapOvr>
+    <a:masterClrMapping/>
+  </p:clrMapOvr>
+</p:sld>
+</file>
+
+<file path=ppt/slides/slide8.xml><?xml version="1.0" encoding="utf-8"?>
+<p:sld xmlns:a="http://schemas.openxmlformats.org/drawingml/2006/main" xmlns:r="http://schemas.openxmlformats.org/officeDocument/2006/relationships" xmlns:p="http://schemas.openxmlformats.org/presentationml/2006/main">
+  <p:cSld>
+    <p:spTree>
+      <p:nvGrpSpPr>
+        <p:cNvPr id="1" name=""/>
+        <p:cNvGrpSpPr/>
+        <p:nvPr/>
+      </p:nvGrpSpPr>
+      <p:grpSpPr>
+        <a:xfrm>
+          <a:off x="0" y="0"/>
+          <a:ext cx="0" cy="0"/>
+          <a:chOff x="0" y="0"/>
+          <a:chExt cx="0" cy="0"/>
+        </a:xfrm>
+      </p:grpSpPr>
+      <p:sp>
+        <p:nvSpPr>
+          <p:cNvPr id="2" name="Заголовок 1">
+            <a:extLst>
+              <a:ext uri="{FF2B5EF4-FFF2-40B4-BE49-F238E27FC236}">
+                <a16:creationId xmlns:a16="http://schemas.microsoft.com/office/drawing/2014/main" id="{D0636072-984B-41C3-ACE4-2FA0935D2C1E}"/>
+              </a:ext>
+            </a:extLst>
+          </p:cNvPr>
+          <p:cNvSpPr>
+            <a:spLocks noGrp="1"/>
+          </p:cNvSpPr>
+          <p:nvPr>
+            <p:ph type="title"/>
+          </p:nvPr>
+        </p:nvSpPr>
+        <p:spPr/>
+        <p:txBody>
+          <a:bodyPr/>
+          <a:lstStyle/>
+          <a:p>
+            <a:pPr>
+              <a:lnSpc>
+                <a:spcPct val="100000"/>
+              </a:lnSpc>
+            </a:pPr>
+            <a:r>
+              <a:rPr lang="en-US" sz="2400" dirty="0">
+                <a:latin typeface="Open Sans" panose="020B0604020202020204" charset="0"/>
+                <a:ea typeface="Open Sans" panose="020B0604020202020204" charset="0"/>
+                <a:cs typeface="Open Sans" panose="020B0604020202020204" charset="0"/>
+              </a:rPr>
+              <a:t>It can help to visualize this.</a:t>
+            </a:r>
+            <a:endParaRPr lang="uk-UA" sz="2400" dirty="0">
+              <a:latin typeface="Open Sans" panose="020B0604020202020204" charset="0"/>
+              <a:ea typeface="Open Sans" panose="020B0604020202020204" charset="0"/>
+              <a:cs typeface="Open Sans" panose="020B0604020202020204" charset="0"/>
+            </a:endParaRPr>
+          </a:p>
+        </p:txBody>
+      </p:sp>
+      <p:pic>
+        <p:nvPicPr>
+          <p:cNvPr id="7" name="Рисунок 6">
+            <a:extLst>
+              <a:ext uri="{FF2B5EF4-FFF2-40B4-BE49-F238E27FC236}">
+                <a16:creationId xmlns:a16="http://schemas.microsoft.com/office/drawing/2014/main" id="{61F2AA00-FB45-4DC2-81D2-9AEFD7E82157}"/>
+              </a:ext>
+            </a:extLst>
+          </p:cNvPr>
+          <p:cNvPicPr>
+            <a:picLocks noChangeAspect="1"/>
+          </p:cNvPicPr>
+          <p:nvPr/>
+        </p:nvPicPr>
+        <p:blipFill>
+          <a:blip r:embed="rId3">
+            <a:extLst>
+              <a:ext uri="{28A0092B-C50C-407E-A947-70E740481C1C}">
+                <a14:useLocalDpi xmlns:a14="http://schemas.microsoft.com/office/drawing/2010/main" val="0"/>
+              </a:ext>
+            </a:extLst>
+          </a:blip>
+          <a:stretch>
+            <a:fillRect/>
+          </a:stretch>
+        </p:blipFill>
+        <p:spPr>
+          <a:xfrm>
+            <a:off x="1987271" y="2401817"/>
+            <a:ext cx="8217457" cy="2054365"/>
+          </a:xfrm>
+          <a:prstGeom prst="rect">
+            <a:avLst/>
+          </a:prstGeom>
+          <a:ln>
+            <a:noFill/>
+          </a:ln>
+          <a:effectLst>
+            <a:outerShdw blurRad="292100" dist="139700" dir="2700000" algn="tl" rotWithShape="0">
+              <a:srgbClr val="333333">
+                <a:alpha val="65000"/>
+              </a:srgbClr>
+            </a:outerShdw>
+          </a:effectLst>
+        </p:spPr>
+      </p:pic>
+    </p:spTree>
+    <p:extLst>
+      <p:ext uri="{BB962C8B-B14F-4D97-AF65-F5344CB8AC3E}">
+        <p14:creationId xmlns:p14="http://schemas.microsoft.com/office/powerpoint/2010/main" val="2943764211"/>
+      </p:ext>
+    </p:extLst>
+  </p:cSld>
+  <p:clrMapOvr>
+    <a:masterClrMapping/>
+  </p:clrMapOvr>
+</p:sld>
+</file>
+
+<file path=ppt/slides/slide9.xml><?xml version="1.0" encoding="utf-8"?>
+<p:sld xmlns:a="http://schemas.openxmlformats.org/drawingml/2006/main" xmlns:r="http://schemas.openxmlformats.org/officeDocument/2006/relationships" xmlns:p="http://schemas.openxmlformats.org/presentationml/2006/main">
+  <p:cSld>
+    <p:spTree>
+      <p:nvGrpSpPr>
+        <p:cNvPr id="1" name=""/>
+        <p:cNvGrpSpPr/>
+        <p:nvPr/>
+      </p:nvGrpSpPr>
+      <p:grpSpPr>
+        <a:xfrm>
+          <a:off x="0" y="0"/>
+          <a:ext cx="0" cy="0"/>
+          <a:chOff x="0" y="0"/>
+          <a:chExt cx="0" cy="0"/>
+        </a:xfrm>
+      </p:grpSpPr>
+      <p:sp>
+        <p:nvSpPr>
+          <p:cNvPr id="2" name="Заголовок 1">
+            <a:extLst>
+              <a:ext uri="{FF2B5EF4-FFF2-40B4-BE49-F238E27FC236}">
+                <a16:creationId xmlns:a16="http://schemas.microsoft.com/office/drawing/2014/main" id="{80F04B17-F8EF-410F-8308-4EB256C3B3FB}"/>
+              </a:ext>
+            </a:extLst>
+          </p:cNvPr>
+          <p:cNvSpPr>
+            <a:spLocks noGrp="1"/>
+          </p:cNvSpPr>
+          <p:nvPr>
+            <p:ph type="title"/>
+          </p:nvPr>
+        </p:nvSpPr>
+        <p:spPr/>
+        <p:txBody>
+          <a:bodyPr/>
+          <a:lstStyle/>
+          <a:p>
+            <a:pPr>
+              <a:lnSpc>
+                <a:spcPct val="100000"/>
+              </a:lnSpc>
+            </a:pPr>
+            <a:r>
+              <a:rPr lang="en-US" sz="2400" dirty="0">
+                <a:latin typeface="Open Sans" panose="020B0604020202020204" charset="0"/>
+                <a:ea typeface="Open Sans" panose="020B0604020202020204" charset="0"/>
+                <a:cs typeface="Open Sans" panose="020B0604020202020204" charset="0"/>
+              </a:rPr>
+              <a:t>Using these components, all of these result in the same output.</a:t>
+            </a:r>
+            <a:br>
+              <a:rPr lang="en-US" sz="2400" dirty="0">
+                <a:latin typeface="Open Sans" panose="020B0604020202020204" charset="0"/>
+                <a:ea typeface="Open Sans" panose="020B0604020202020204" charset="0"/>
+                <a:cs typeface="Open Sans" panose="020B0604020202020204" charset="0"/>
+              </a:rPr>
+            </a:br>
+            <a:br>
+              <a:rPr lang="en-US" sz="2400" dirty="0">
+                <a:latin typeface="Open Sans" panose="020B0604020202020204" charset="0"/>
+                <a:ea typeface="Open Sans" panose="020B0604020202020204" charset="0"/>
+                <a:cs typeface="Open Sans" panose="020B0604020202020204" charset="0"/>
+              </a:rPr>
+            </a:br>
+            <a:br>
+              <a:rPr lang="en-US" sz="2400" dirty="0">
+                <a:latin typeface="Open Sans" panose="020B0604020202020204" charset="0"/>
+                <a:ea typeface="Open Sans" panose="020B0604020202020204" charset="0"/>
+                <a:cs typeface="Open Sans" panose="020B0604020202020204" charset="0"/>
+              </a:rPr>
+            </a:br>
+            <a:br>
+              <a:rPr lang="en-US" sz="2400" dirty="0">
+                <a:latin typeface="Open Sans" panose="020B0604020202020204" charset="0"/>
+                <a:ea typeface="Open Sans" panose="020B0604020202020204" charset="0"/>
+                <a:cs typeface="Open Sans" panose="020B0604020202020204" charset="0"/>
+              </a:rPr>
+            </a:br>
+            <a:br>
+              <a:rPr lang="en-US" sz="2400" dirty="0">
+                <a:latin typeface="Open Sans" panose="020B0604020202020204" charset="0"/>
+                <a:ea typeface="Open Sans" panose="020B0604020202020204" charset="0"/>
+                <a:cs typeface="Open Sans" panose="020B0604020202020204" charset="0"/>
+              </a:rPr>
+            </a:br>
+            <a:br>
+              <a:rPr lang="en-US" sz="2400" dirty="0">
+                <a:latin typeface="Open Sans" panose="020B0604020202020204" charset="0"/>
+                <a:ea typeface="Open Sans" panose="020B0604020202020204" charset="0"/>
+                <a:cs typeface="Open Sans" panose="020B0604020202020204" charset="0"/>
+              </a:rPr>
+            </a:br>
+            <a:br>
+              <a:rPr lang="en-US" sz="2400" dirty="0">
+                <a:latin typeface="Open Sans" panose="020B0604020202020204" charset="0"/>
+                <a:ea typeface="Open Sans" panose="020B0604020202020204" charset="0"/>
+                <a:cs typeface="Open Sans" panose="020B0604020202020204" charset="0"/>
+              </a:rPr>
+            </a:br>
+            <a:br>
+              <a:rPr lang="en-US" sz="2400" dirty="0">
+                <a:latin typeface="Open Sans" panose="020B0604020202020204" charset="0"/>
+                <a:ea typeface="Open Sans" panose="020B0604020202020204" charset="0"/>
+                <a:cs typeface="Open Sans" panose="020B0604020202020204" charset="0"/>
+              </a:rPr>
+            </a:br>
+            <a:br>
+              <a:rPr lang="en-US" sz="2400" dirty="0">
+                <a:latin typeface="Open Sans" panose="020B0604020202020204" charset="0"/>
+                <a:ea typeface="Open Sans" panose="020B0604020202020204" charset="0"/>
+                <a:cs typeface="Open Sans" panose="020B0604020202020204" charset="0"/>
+              </a:rPr>
+            </a:br>
+            <a:br>
+              <a:rPr lang="en-US" sz="2400" dirty="0">
+                <a:latin typeface="Open Sans" panose="020B0604020202020204" charset="0"/>
+                <a:ea typeface="Open Sans" panose="020B0604020202020204" charset="0"/>
+                <a:cs typeface="Open Sans" panose="020B0604020202020204" charset="0"/>
+              </a:rPr>
+            </a:br>
+            <a:br>
+              <a:rPr lang="en-US" sz="2400" dirty="0">
+                <a:latin typeface="Open Sans" panose="020B0604020202020204" charset="0"/>
+                <a:ea typeface="Open Sans" panose="020B0604020202020204" charset="0"/>
+                <a:cs typeface="Open Sans" panose="020B0604020202020204" charset="0"/>
+              </a:rPr>
+            </a:br>
+            <a:r>
+              <a:rPr lang="en-US" sz="2400" dirty="0">
+                <a:latin typeface="Open Sans" panose="020B0604020202020204" charset="0"/>
+                <a:ea typeface="Open Sans" panose="020B0604020202020204" charset="0"/>
+                <a:cs typeface="Open Sans" panose="020B0604020202020204" charset="0"/>
+              </a:rPr>
+              <a:t>This can be a huge boon to style maintenance. It isolates all concerns of style to a single component.</a:t>
+            </a:r>
+            <a:endParaRPr lang="uk-UA" sz="2400" dirty="0">
+              <a:latin typeface="Open Sans" panose="020B0604020202020204" charset="0"/>
+              <a:ea typeface="Open Sans" panose="020B0604020202020204" charset="0"/>
+              <a:cs typeface="Open Sans" panose="020B0604020202020204" charset="0"/>
+            </a:endParaRPr>
+          </a:p>
+        </p:txBody>
+      </p:sp>
+      <p:pic>
+        <p:nvPicPr>
+          <p:cNvPr id="5" name="Рисунок 4">
+            <a:extLst>
+              <a:ext uri="{FF2B5EF4-FFF2-40B4-BE49-F238E27FC236}">
+                <a16:creationId xmlns:a16="http://schemas.microsoft.com/office/drawing/2014/main" id="{9D2F31FA-B16E-486F-B406-6E48A73377FE}"/>
+              </a:ext>
+            </a:extLst>
+          </p:cNvPr>
+          <p:cNvPicPr>
+            <a:picLocks noChangeAspect="1"/>
+          </p:cNvPicPr>
+          <p:nvPr/>
+        </p:nvPicPr>
+        <p:blipFill>
+          <a:blip r:embed="rId3">
+            <a:extLst>
+              <a:ext uri="{28A0092B-C50C-407E-A947-70E740481C1C}">
+                <a14:useLocalDpi xmlns:a14="http://schemas.microsoft.com/office/drawing/2010/main" val="0"/>
+              </a:ext>
+            </a:extLst>
+          </a:blip>
+          <a:stretch>
+            <a:fillRect/>
+          </a:stretch>
+        </p:blipFill>
+        <p:spPr>
+          <a:xfrm>
+            <a:off x="2276314" y="1897424"/>
+            <a:ext cx="7639372" cy="2032794"/>
+          </a:xfrm>
+          <a:prstGeom prst="rect">
+            <a:avLst/>
+          </a:prstGeom>
+          <a:ln>
+            <a:noFill/>
+          </a:ln>
+          <a:effectLst>
+            <a:outerShdw blurRad="292100" dist="139700" dir="2700000" algn="tl" rotWithShape="0">
+              <a:srgbClr val="333333">
+                <a:alpha val="65000"/>
+              </a:srgbClr>
+            </a:outerShdw>
+          </a:effectLst>
+        </p:spPr>
+      </p:pic>
+    </p:spTree>
+    <p:extLst>
+      <p:ext uri="{BB962C8B-B14F-4D97-AF65-F5344CB8AC3E}">
+        <p14:creationId xmlns:p14="http://schemas.microsoft.com/office/powerpoint/2010/main" val="3612697407"/>
       </p:ext>
     </p:extLst>
   </p:cSld>
@@ -9656,20 +8914,20 @@
 </file>
 
 <file path=customXml/item1.xml><?xml version="1.0" encoding="utf-8"?>
-<p:properties xmlns:p="http://schemas.microsoft.com/office/2006/metadata/properties" xmlns:xsi="http://www.w3.org/2001/XMLSchema-instance" xmlns:pc="http://schemas.microsoft.com/office/infopath/2007/PartnerControls">
-  <documentManagement>
-    <_x041a__x043e__x043c__x0435__x0442__x0430__x0440_ xmlns="835f28f2-30f1-4728-84d2-86d96e143488" xsi:nil="true"/>
-  </documentManagement>
-</p:properties>
-</file>
-
-<file path=customXml/item2.xml><?xml version="1.0" encoding="utf-8"?>
 <?mso-contentType ?>
 <FormTemplates xmlns="http://schemas.microsoft.com/sharepoint/v3/contenttype/forms">
   <Display>DocumentLibraryForm</Display>
   <Edit>DocumentLibraryForm</Edit>
   <New>DocumentLibraryForm</New>
 </FormTemplates>
+</file>
+
+<file path=customXml/item2.xml><?xml version="1.0" encoding="utf-8"?>
+<p:properties xmlns:p="http://schemas.microsoft.com/office/2006/metadata/properties" xmlns:xsi="http://www.w3.org/2001/XMLSchema-instance" xmlns:pc="http://schemas.microsoft.com/office/infopath/2007/PartnerControls">
+  <documentManagement>
+    <_x041a__x043e__x043c__x0435__x0442__x0430__x0440_ xmlns="835f28f2-30f1-4728-84d2-86d96e143488" xsi:nil="true"/>
+  </documentManagement>
+</p:properties>
 </file>
 
 <file path=customXml/item3.xml><?xml version="1.0" encoding="utf-8"?>
@@ -9872,6 +9130,14 @@
 </file>
 
 <file path=customXml/itemProps1.xml><?xml version="1.0" encoding="utf-8"?>
+<ds:datastoreItem xmlns:ds="http://schemas.openxmlformats.org/officeDocument/2006/customXml" ds:itemID="{296B3B9E-03D8-4766-BF45-6129617CF026}">
+  <ds:schemaRefs>
+    <ds:schemaRef ds:uri="http://schemas.microsoft.com/sharepoint/v3/contenttype/forms"/>
+  </ds:schemaRefs>
+</ds:datastoreItem>
+</file>
+
+<file path=customXml/itemProps2.xml><?xml version="1.0" encoding="utf-8"?>
 <ds:datastoreItem xmlns:ds="http://schemas.openxmlformats.org/officeDocument/2006/customXml" ds:itemID="{B3A1340B-3A1B-4156-ADE3-51DF6C2C795D}">
   <ds:schemaRefs>
     <ds:schemaRef ds:uri="http://schemas.microsoft.com/office/2006/documentManagement/types"/>
@@ -9884,14 +9150,6 @@
     <ds:schemaRef ds:uri="http://schemas.openxmlformats.org/package/2006/metadata/core-properties"/>
     <ds:schemaRef ds:uri="http://schemas.microsoft.com/office/2006/metadata/properties"/>
     <ds:schemaRef ds:uri="http://www.w3.org/XML/1998/namespace"/>
-  </ds:schemaRefs>
-</ds:datastoreItem>
-</file>
-
-<file path=customXml/itemProps2.xml><?xml version="1.0" encoding="utf-8"?>
-<ds:datastoreItem xmlns:ds="http://schemas.openxmlformats.org/officeDocument/2006/customXml" ds:itemID="{296B3B9E-03D8-4766-BF45-6129617CF026}">
-  <ds:schemaRefs>
-    <ds:schemaRef ds:uri="http://schemas.microsoft.com/sharepoint/v3/contenttype/forms"/>
   </ds:schemaRefs>
 </ds:datastoreItem>
 </file>
